--- a/Smart Home TeamNoobcoder.pptx
+++ b/Smart Home TeamNoobcoder.pptx
@@ -21,6 +21,7 @@
     <p:sldId id="268" r:id="rId18"/>
     <p:sldId id="267" r:id="rId19"/>
     <p:sldId id="272" r:id="rId20"/>
+    <p:sldId id="273" r:id="rId21"/>
   </p:sldIdLst>
   <p:sldSz cx="12192000" cy="6858000"/>
   <p:notesSz cx="6858000" cy="9144000"/>
@@ -4907,7 +4908,7 @@
           <a:p>
             <a:fld id="{846CE7D5-CF57-46EF-B807-FDD0502418D4}" type="datetimeFigureOut">
               <a:rPr lang="en-US" smtClean="0"/>
-              <a:t>11/15/2020</a:t>
+              <a:t>11/21/2020</a:t>
             </a:fld>
             <a:endParaRPr lang="en-US"/>
           </a:p>
@@ -5075,7 +5076,7 @@
           <a:p>
             <a:fld id="{846CE7D5-CF57-46EF-B807-FDD0502418D4}" type="datetimeFigureOut">
               <a:rPr lang="en-US" smtClean="0"/>
-              <a:t>11/15/2020</a:t>
+              <a:t>11/21/2020</a:t>
             </a:fld>
             <a:endParaRPr lang="en-US"/>
           </a:p>
@@ -5253,7 +5254,7 @@
           <a:p>
             <a:fld id="{846CE7D5-CF57-46EF-B807-FDD0502418D4}" type="datetimeFigureOut">
               <a:rPr lang="en-US" smtClean="0"/>
-              <a:t>11/15/2020</a:t>
+              <a:t>11/21/2020</a:t>
             </a:fld>
             <a:endParaRPr lang="en-US"/>
           </a:p>
@@ -5421,7 +5422,7 @@
           <a:p>
             <a:fld id="{846CE7D5-CF57-46EF-B807-FDD0502418D4}" type="datetimeFigureOut">
               <a:rPr lang="en-US" smtClean="0"/>
-              <a:t>11/15/2020</a:t>
+              <a:t>11/21/2020</a:t>
             </a:fld>
             <a:endParaRPr lang="en-US"/>
           </a:p>
@@ -5666,7 +5667,7 @@
           <a:p>
             <a:fld id="{846CE7D5-CF57-46EF-B807-FDD0502418D4}" type="datetimeFigureOut">
               <a:rPr lang="en-US" smtClean="0"/>
-              <a:t>11/15/2020</a:t>
+              <a:t>11/21/2020</a:t>
             </a:fld>
             <a:endParaRPr lang="en-US"/>
           </a:p>
@@ -5895,7 +5896,7 @@
           <a:p>
             <a:fld id="{846CE7D5-CF57-46EF-B807-FDD0502418D4}" type="datetimeFigureOut">
               <a:rPr lang="en-US" smtClean="0"/>
-              <a:t>11/15/2020</a:t>
+              <a:t>11/21/2020</a:t>
             </a:fld>
             <a:endParaRPr lang="en-US"/>
           </a:p>
@@ -6259,7 +6260,7 @@
           <a:p>
             <a:fld id="{846CE7D5-CF57-46EF-B807-FDD0502418D4}" type="datetimeFigureOut">
               <a:rPr lang="en-US" smtClean="0"/>
-              <a:t>11/15/2020</a:t>
+              <a:t>11/21/2020</a:t>
             </a:fld>
             <a:endParaRPr lang="en-US"/>
           </a:p>
@@ -6376,7 +6377,7 @@
           <a:p>
             <a:fld id="{846CE7D5-CF57-46EF-B807-FDD0502418D4}" type="datetimeFigureOut">
               <a:rPr lang="en-US" smtClean="0"/>
-              <a:t>11/15/2020</a:t>
+              <a:t>11/21/2020</a:t>
             </a:fld>
             <a:endParaRPr lang="en-US"/>
           </a:p>
@@ -6471,7 +6472,7 @@
           <a:p>
             <a:fld id="{846CE7D5-CF57-46EF-B807-FDD0502418D4}" type="datetimeFigureOut">
               <a:rPr lang="en-US" smtClean="0"/>
-              <a:t>11/15/2020</a:t>
+              <a:t>11/21/2020</a:t>
             </a:fld>
             <a:endParaRPr lang="en-US"/>
           </a:p>
@@ -6746,7 +6747,7 @@
           <a:p>
             <a:fld id="{846CE7D5-CF57-46EF-B807-FDD0502418D4}" type="datetimeFigureOut">
               <a:rPr lang="en-US" smtClean="0"/>
-              <a:t>11/15/2020</a:t>
+              <a:t>11/21/2020</a:t>
             </a:fld>
             <a:endParaRPr lang="en-US"/>
           </a:p>
@@ -7001,7 +7002,7 @@
           <a:p>
             <a:fld id="{846CE7D5-CF57-46EF-B807-FDD0502418D4}" type="datetimeFigureOut">
               <a:rPr lang="en-US" smtClean="0"/>
-              <a:t>11/15/2020</a:t>
+              <a:t>11/21/2020</a:t>
             </a:fld>
             <a:endParaRPr lang="en-US"/>
           </a:p>
@@ -7212,7 +7213,7 @@
           <a:p>
             <a:fld id="{846CE7D5-CF57-46EF-B807-FDD0502418D4}" type="datetimeFigureOut">
               <a:rPr lang="en-US" smtClean="0"/>
-              <a:t>11/15/2020</a:t>
+              <a:t>11/21/2020</a:t>
             </a:fld>
             <a:endParaRPr lang="en-US"/>
           </a:p>
@@ -10915,6 +10916,172 @@
 </p:sld>
 </file>
 
+<file path=ppt/slides/slide17.xml><?xml version="1.0" encoding="utf-8"?>
+<p:sld xmlns:a="http://schemas.openxmlformats.org/drawingml/2006/main" xmlns:r="http://schemas.openxmlformats.org/officeDocument/2006/relationships" xmlns:p="http://schemas.openxmlformats.org/presentationml/2006/main">
+  <p:cSld>
+    <p:spTree>
+      <p:nvGrpSpPr>
+        <p:cNvPr id="1" name=""/>
+        <p:cNvGrpSpPr/>
+        <p:nvPr/>
+      </p:nvGrpSpPr>
+      <p:grpSpPr>
+        <a:xfrm>
+          <a:off x="0" y="0"/>
+          <a:ext cx="0" cy="0"/>
+          <a:chOff x="0" y="0"/>
+          <a:chExt cx="0" cy="0"/>
+        </a:xfrm>
+      </p:grpSpPr>
+      <p:sp>
+        <p:nvSpPr>
+          <p:cNvPr id="2" name="Title 1">
+            <a:extLst>
+              <a:ext uri="{FF2B5EF4-FFF2-40B4-BE49-F238E27FC236}">
+                <a16:creationId xmlns:a16="http://schemas.microsoft.com/office/drawing/2014/main" id="{56FB6D8D-09E2-440C-9691-C70E943CBDA9}"/>
+              </a:ext>
+            </a:extLst>
+          </p:cNvPr>
+          <p:cNvSpPr>
+            <a:spLocks noGrp="1"/>
+          </p:cNvSpPr>
+          <p:nvPr>
+            <p:ph type="title"/>
+          </p:nvPr>
+        </p:nvSpPr>
+        <p:spPr/>
+        <p:txBody>
+          <a:bodyPr/>
+          <a:lstStyle/>
+          <a:p>
+            <a:r>
+              <a:rPr lang="en-US" dirty="0"/>
+              <a:t>Advantages</a:t>
+            </a:r>
+            <a:endParaRPr lang="en-DE" dirty="0"/>
+          </a:p>
+        </p:txBody>
+      </p:sp>
+      <p:sp>
+        <p:nvSpPr>
+          <p:cNvPr id="3" name="Content Placeholder 2">
+            <a:extLst>
+              <a:ext uri="{FF2B5EF4-FFF2-40B4-BE49-F238E27FC236}">
+                <a16:creationId xmlns:a16="http://schemas.microsoft.com/office/drawing/2014/main" id="{9E8B7EA0-E4EB-4016-A4E7-5946766610DB}"/>
+              </a:ext>
+            </a:extLst>
+          </p:cNvPr>
+          <p:cNvSpPr>
+            <a:spLocks noGrp="1"/>
+          </p:cNvSpPr>
+          <p:nvPr>
+            <p:ph idx="1"/>
+          </p:nvPr>
+        </p:nvSpPr>
+        <p:spPr/>
+        <p:txBody>
+          <a:bodyPr>
+            <a:normAutofit fontScale="62500" lnSpcReduction="20000"/>
+          </a:bodyPr>
+          <a:lstStyle/>
+          <a:p>
+            <a:r>
+              <a:rPr lang="en-US" dirty="0"/>
+              <a:t>Saving</a:t>
+            </a:r>
+          </a:p>
+          <a:p>
+            <a:pPr marL="0" indent="0">
+              <a:buNone/>
+            </a:pPr>
+            <a:r>
+              <a:rPr lang="en-US" dirty="0"/>
+              <a:t>- The financial saving will get your attention, where the smart home technology can alone save anywhere from 10%-30% money on your energy bills.</a:t>
+            </a:r>
+          </a:p>
+          <a:p>
+            <a:r>
+              <a:rPr lang="en-US" dirty="0"/>
+              <a:t>Safety</a:t>
+            </a:r>
+          </a:p>
+          <a:p>
+            <a:pPr marL="0" indent="0">
+              <a:buNone/>
+            </a:pPr>
+            <a:r>
+              <a:rPr lang="en-US" dirty="0"/>
+              <a:t>- User can install a security system that allows them to monitor any suspicious activities that occur in and around your home.</a:t>
+            </a:r>
+          </a:p>
+          <a:p>
+            <a:r>
+              <a:rPr lang="en-US" dirty="0"/>
+              <a:t>Control</a:t>
+            </a:r>
+          </a:p>
+          <a:p>
+            <a:pPr marL="0" indent="0">
+              <a:buNone/>
+            </a:pPr>
+            <a:r>
+              <a:rPr lang="en-US" dirty="0"/>
+              <a:t>- The control at your fingertips is provided by smart home technology. You can use your mobile apps to control the functionality of your home from anywhere in the world now. </a:t>
+            </a:r>
+          </a:p>
+          <a:p>
+            <a:r>
+              <a:rPr lang="en-US" dirty="0"/>
+              <a:t>Convenience</a:t>
+            </a:r>
+          </a:p>
+          <a:p>
+            <a:pPr marL="0" indent="0">
+              <a:buNone/>
+            </a:pPr>
+            <a:r>
+              <a:rPr lang="en-US" dirty="0"/>
+              <a:t>- It </a:t>
+            </a:r>
+            <a:r>
+              <a:rPr lang="en-US"/>
+              <a:t>allows user </a:t>
+            </a:r>
+            <a:r>
+              <a:rPr lang="en-US" dirty="0"/>
+              <a:t>to use the mobile and tables and you’ll be able to tap into enormous functions and appliances throughout the home.</a:t>
+            </a:r>
+          </a:p>
+          <a:p>
+            <a:r>
+              <a:rPr lang="en-US" dirty="0"/>
+              <a:t>Comfort</a:t>
+            </a:r>
+          </a:p>
+          <a:p>
+            <a:pPr marL="0" indent="0">
+              <a:buNone/>
+            </a:pPr>
+            <a:r>
+              <a:rPr lang="en-US" dirty="0"/>
+              <a:t>- Having smart home technology can just make our lives easy, as it improves the functionality of appliances, thus helping them run better</a:t>
+            </a:r>
+          </a:p>
+        </p:txBody>
+      </p:sp>
+    </p:spTree>
+    <p:extLst>
+      <p:ext uri="{BB962C8B-B14F-4D97-AF65-F5344CB8AC3E}">
+        <p14:creationId xmlns:p14="http://schemas.microsoft.com/office/powerpoint/2010/main" val="3157970513"/>
+      </p:ext>
+    </p:extLst>
+  </p:cSld>
+  <p:clrMapOvr>
+    <a:masterClrMapping/>
+  </p:clrMapOvr>
+</p:sld>
+</file>
+
 <file path=ppt/slides/slide2.xml><?xml version="1.0" encoding="utf-8"?>
 <p:sld xmlns:a="http://schemas.openxmlformats.org/drawingml/2006/main" xmlns:r="http://schemas.openxmlformats.org/officeDocument/2006/relationships" xmlns:p="http://schemas.openxmlformats.org/presentationml/2006/main">
   <p:cSld>
@@ -13317,15 +13484,6 @@
 </file>
 
 <file path=customXml/item1.xml><?xml version="1.0" encoding="utf-8"?>
-<?mso-contentType ?>
-<FormTemplates xmlns="http://schemas.microsoft.com/sharepoint/v3/contenttype/forms">
-  <Display>DocumentLibraryForm</Display>
-  <Edit>DocumentLibraryForm</Edit>
-  <New>DocumentLibraryForm</New>
-</FormTemplates>
-</file>
-
-<file path=customXml/item2.xml><?xml version="1.0" encoding="utf-8"?>
 <ct:contentTypeSchema xmlns:ct="http://schemas.microsoft.com/office/2006/metadata/contentType" xmlns:ma="http://schemas.microsoft.com/office/2006/metadata/properties/metaAttributes" ct:_="" ma:_="" ma:contentTypeName="Document" ma:contentTypeID="0x010100D973745A54E1F940816A7DA2A8D1DDBD" ma:contentTypeVersion="2" ma:contentTypeDescription="Create a new document." ma:contentTypeScope="" ma:versionID="84b7a6704b22df89a7c9e55e2653863b">
   <xsd:schema xmlns:xsd="http://www.w3.org/2001/XMLSchema" xmlns:xs="http://www.w3.org/2001/XMLSchema" xmlns:p="http://schemas.microsoft.com/office/2006/metadata/properties" xmlns:ns2="e0689a4a-487c-484b-bb27-80183cfbfa40" targetNamespace="http://schemas.microsoft.com/office/2006/metadata/properties" ma:root="true" ma:fieldsID="31532077622de2acde8666fafb6fa5ef" ns2:_="">
     <xsd:import namespace="e0689a4a-487c-484b-bb27-80183cfbfa40"/>
@@ -13457,6 +13615,15 @@
 </ct:contentTypeSchema>
 </file>
 
+<file path=customXml/item2.xml><?xml version="1.0" encoding="utf-8"?>
+<?mso-contentType ?>
+<FormTemplates xmlns="http://schemas.microsoft.com/sharepoint/v3/contenttype/forms">
+  <Display>DocumentLibraryForm</Display>
+  <Edit>DocumentLibraryForm</Edit>
+  <New>DocumentLibraryForm</New>
+</FormTemplates>
+</file>
+
 <file path=customXml/item3.xml><?xml version="1.0" encoding="utf-8"?>
 <p:properties xmlns:p="http://schemas.microsoft.com/office/2006/metadata/properties" xmlns:xsi="http://www.w3.org/2001/XMLSchema-instance" xmlns:pc="http://schemas.microsoft.com/office/infopath/2007/PartnerControls">
   <documentManagement/>
@@ -13464,14 +13631,6 @@
 </file>
 
 <file path=customXml/itemProps1.xml><?xml version="1.0" encoding="utf-8"?>
-<ds:datastoreItem xmlns:ds="http://schemas.openxmlformats.org/officeDocument/2006/customXml" ds:itemID="{2EDD09B3-23C0-4941-9430-47739D6329F7}">
-  <ds:schemaRefs>
-    <ds:schemaRef ds:uri="http://schemas.microsoft.com/sharepoint/v3/contenttype/forms"/>
-  </ds:schemaRefs>
-</ds:datastoreItem>
-</file>
-
-<file path=customXml/itemProps2.xml><?xml version="1.0" encoding="utf-8"?>
 <ds:datastoreItem xmlns:ds="http://schemas.openxmlformats.org/officeDocument/2006/customXml" ds:itemID="{85E8A985-78FD-4040-8584-DCD1A78232D6}">
   <ds:schemaRefs>
     <ds:schemaRef ds:uri="e0689a4a-487c-484b-bb27-80183cfbfa40"/>
@@ -13489,6 +13648,14 @@
 </ds:datastoreItem>
 </file>
 
+<file path=customXml/itemProps2.xml><?xml version="1.0" encoding="utf-8"?>
+<ds:datastoreItem xmlns:ds="http://schemas.openxmlformats.org/officeDocument/2006/customXml" ds:itemID="{2EDD09B3-23C0-4941-9430-47739D6329F7}">
+  <ds:schemaRefs>
+    <ds:schemaRef ds:uri="http://schemas.microsoft.com/sharepoint/v3/contenttype/forms"/>
+  </ds:schemaRefs>
+</ds:datastoreItem>
+</file>
+
 <file path=customXml/itemProps3.xml><?xml version="1.0" encoding="utf-8"?>
 <ds:datastoreItem xmlns:ds="http://schemas.openxmlformats.org/officeDocument/2006/customXml" ds:itemID="{13726219-3614-45BE-8F92-AD9277358475}">
   <ds:schemaRefs>

--- a/Smart Home TeamNoobcoder.pptx
+++ b/Smart Home TeamNoobcoder.pptx
@@ -19,9 +19,10 @@
     <p:sldId id="266" r:id="rId16"/>
     <p:sldId id="262" r:id="rId17"/>
     <p:sldId id="268" r:id="rId18"/>
-    <p:sldId id="267" r:id="rId19"/>
-    <p:sldId id="272" r:id="rId20"/>
-    <p:sldId id="273" r:id="rId21"/>
+    <p:sldId id="274" r:id="rId19"/>
+    <p:sldId id="273" r:id="rId20"/>
+    <p:sldId id="272" r:id="rId21"/>
+    <p:sldId id="267" r:id="rId22"/>
   </p:sldIdLst>
   <p:sldSz cx="12192000" cy="6858000"/>
   <p:notesSz cx="6858000" cy="9144000"/>
@@ -4908,7 +4909,7 @@
           <a:p>
             <a:fld id="{846CE7D5-CF57-46EF-B807-FDD0502418D4}" type="datetimeFigureOut">
               <a:rPr lang="en-US" smtClean="0"/>
-              <a:t>11/21/2020</a:t>
+              <a:t>11/22/2020</a:t>
             </a:fld>
             <a:endParaRPr lang="en-US"/>
           </a:p>
@@ -5076,7 +5077,7 @@
           <a:p>
             <a:fld id="{846CE7D5-CF57-46EF-B807-FDD0502418D4}" type="datetimeFigureOut">
               <a:rPr lang="en-US" smtClean="0"/>
-              <a:t>11/21/2020</a:t>
+              <a:t>11/22/2020</a:t>
             </a:fld>
             <a:endParaRPr lang="en-US"/>
           </a:p>
@@ -5254,7 +5255,7 @@
           <a:p>
             <a:fld id="{846CE7D5-CF57-46EF-B807-FDD0502418D4}" type="datetimeFigureOut">
               <a:rPr lang="en-US" smtClean="0"/>
-              <a:t>11/21/2020</a:t>
+              <a:t>11/22/2020</a:t>
             </a:fld>
             <a:endParaRPr lang="en-US"/>
           </a:p>
@@ -5422,7 +5423,7 @@
           <a:p>
             <a:fld id="{846CE7D5-CF57-46EF-B807-FDD0502418D4}" type="datetimeFigureOut">
               <a:rPr lang="en-US" smtClean="0"/>
-              <a:t>11/21/2020</a:t>
+              <a:t>11/22/2020</a:t>
             </a:fld>
             <a:endParaRPr lang="en-US"/>
           </a:p>
@@ -5667,7 +5668,7 @@
           <a:p>
             <a:fld id="{846CE7D5-CF57-46EF-B807-FDD0502418D4}" type="datetimeFigureOut">
               <a:rPr lang="en-US" smtClean="0"/>
-              <a:t>11/21/2020</a:t>
+              <a:t>11/22/2020</a:t>
             </a:fld>
             <a:endParaRPr lang="en-US"/>
           </a:p>
@@ -5896,7 +5897,7 @@
           <a:p>
             <a:fld id="{846CE7D5-CF57-46EF-B807-FDD0502418D4}" type="datetimeFigureOut">
               <a:rPr lang="en-US" smtClean="0"/>
-              <a:t>11/21/2020</a:t>
+              <a:t>11/22/2020</a:t>
             </a:fld>
             <a:endParaRPr lang="en-US"/>
           </a:p>
@@ -6260,7 +6261,7 @@
           <a:p>
             <a:fld id="{846CE7D5-CF57-46EF-B807-FDD0502418D4}" type="datetimeFigureOut">
               <a:rPr lang="en-US" smtClean="0"/>
-              <a:t>11/21/2020</a:t>
+              <a:t>11/22/2020</a:t>
             </a:fld>
             <a:endParaRPr lang="en-US"/>
           </a:p>
@@ -6377,7 +6378,7 @@
           <a:p>
             <a:fld id="{846CE7D5-CF57-46EF-B807-FDD0502418D4}" type="datetimeFigureOut">
               <a:rPr lang="en-US" smtClean="0"/>
-              <a:t>11/21/2020</a:t>
+              <a:t>11/22/2020</a:t>
             </a:fld>
             <a:endParaRPr lang="en-US"/>
           </a:p>
@@ -6472,7 +6473,7 @@
           <a:p>
             <a:fld id="{846CE7D5-CF57-46EF-B807-FDD0502418D4}" type="datetimeFigureOut">
               <a:rPr lang="en-US" smtClean="0"/>
-              <a:t>11/21/2020</a:t>
+              <a:t>11/22/2020</a:t>
             </a:fld>
             <a:endParaRPr lang="en-US"/>
           </a:p>
@@ -6747,7 +6748,7 @@
           <a:p>
             <a:fld id="{846CE7D5-CF57-46EF-B807-FDD0502418D4}" type="datetimeFigureOut">
               <a:rPr lang="en-US" smtClean="0"/>
-              <a:t>11/21/2020</a:t>
+              <a:t>11/22/2020</a:t>
             </a:fld>
             <a:endParaRPr lang="en-US"/>
           </a:p>
@@ -7002,7 +7003,7 @@
           <a:p>
             <a:fld id="{846CE7D5-CF57-46EF-B807-FDD0502418D4}" type="datetimeFigureOut">
               <a:rPr lang="en-US" smtClean="0"/>
-              <a:t>11/21/2020</a:t>
+              <a:t>11/22/2020</a:t>
             </a:fld>
             <a:endParaRPr lang="en-US"/>
           </a:p>
@@ -7213,7 +7214,7 @@
           <a:p>
             <a:fld id="{846CE7D5-CF57-46EF-B807-FDD0502418D4}" type="datetimeFigureOut">
               <a:rPr lang="en-US" smtClean="0"/>
-              <a:t>11/21/2020</a:t>
+              <a:t>11/22/2020</a:t>
             </a:fld>
             <a:endParaRPr lang="en-US"/>
           </a:p>
@@ -10661,33 +10662,96 @@
       </p:sp>
       <p:pic>
         <p:nvPicPr>
-          <p:cNvPr id="4" name="Picture 4">
+          <p:cNvPr id="2050" name="Picture 2" descr="Fig. 1. - Home Automation System.">
             <a:extLst>
               <a:ext uri="{FF2B5EF4-FFF2-40B4-BE49-F238E27FC236}">
-                <a16:creationId xmlns:a16="http://schemas.microsoft.com/office/drawing/2014/main" id="{86380558-1097-4A1B-9FAF-3D26CBDB6FF4}"/>
+                <a16:creationId xmlns:a16="http://schemas.microsoft.com/office/drawing/2014/main" id="{6738E595-57AA-4233-B735-107746E56BD8}"/>
               </a:ext>
             </a:extLst>
           </p:cNvPr>
           <p:cNvPicPr>
-            <a:picLocks noGrp="1" noChangeAspect="1"/>
+            <a:picLocks noChangeAspect="1" noChangeArrowheads="1"/>
           </p:cNvPicPr>
-          <p:nvPr>
-            <p:ph idx="1"/>
-          </p:nvPr>
+          <p:nvPr/>
         </p:nvPicPr>
         <p:blipFill>
-          <a:blip r:embed="rId2"/>
+          <a:blip r:embed="rId2">
+            <a:extLst>
+              <a:ext uri="{28A0092B-C50C-407E-A947-70E740481C1C}">
+                <a14:useLocalDpi xmlns:a14="http://schemas.microsoft.com/office/drawing/2010/main" val="0"/>
+              </a:ext>
+            </a:extLst>
+          </a:blip>
+          <a:srcRect/>
           <a:stretch>
             <a:fillRect/>
           </a:stretch>
         </p:blipFill>
+        <p:spPr bwMode="auto">
+          <a:xfrm>
+            <a:off x="3079619" y="1842425"/>
+            <a:ext cx="5238750" cy="3505200"/>
+          </a:xfrm>
+          <a:prstGeom prst="rect">
+            <a:avLst/>
+          </a:prstGeom>
+          <a:noFill/>
+          <a:extLst>
+            <a:ext uri="{909E8E84-426E-40DD-AFC4-6F175D3DCCD1}">
+              <a14:hiddenFill xmlns:a14="http://schemas.microsoft.com/office/drawing/2010/main">
+                <a:solidFill>
+                  <a:srgbClr val="FFFFFF"/>
+                </a:solidFill>
+              </a14:hiddenFill>
+            </a:ext>
+          </a:extLst>
+        </p:spPr>
+      </p:pic>
+      <p:sp>
+        <p:nvSpPr>
+          <p:cNvPr id="10" name="Content Placeholder 9">
+            <a:extLst>
+              <a:ext uri="{FF2B5EF4-FFF2-40B4-BE49-F238E27FC236}">
+                <a16:creationId xmlns:a16="http://schemas.microsoft.com/office/drawing/2014/main" id="{39FC5575-A1AC-4D7B-A269-E28112701F5F}"/>
+              </a:ext>
+            </a:extLst>
+          </p:cNvPr>
+          <p:cNvSpPr>
+            <a:spLocks noGrp="1"/>
+          </p:cNvSpPr>
+          <p:nvPr>
+            <p:ph idx="1"/>
+          </p:nvPr>
+        </p:nvSpPr>
         <p:spPr>
           <a:xfrm>
-            <a:off x="641323" y="1351492"/>
-            <a:ext cx="6117221" cy="3902605"/>
+            <a:off x="3647389" y="5710804"/>
+            <a:ext cx="5053552" cy="407759"/>
           </a:xfrm>
         </p:spPr>
-      </p:pic>
+        <p:txBody>
+          <a:bodyPr>
+            <a:normAutofit/>
+          </a:bodyPr>
+          <a:lstStyle/>
+          <a:p>
+            <a:pPr marL="0" indent="0">
+              <a:buNone/>
+            </a:pPr>
+            <a:r>
+              <a:rPr lang="en-US" sz="1200" b="0" i="0">
+                <a:solidFill>
+                  <a:srgbClr val="666666"/>
+                </a:solidFill>
+                <a:effectLst/>
+                <a:latin typeface="Verdana" panose="020B0604030504040204" pitchFamily="34" charset="0"/>
+              </a:rPr>
+              <a:t>                           Home Automation System [4]</a:t>
+            </a:r>
+            <a:endParaRPr lang="en-DE" sz="1200" dirty="0"/>
+          </a:p>
+        </p:txBody>
+      </p:sp>
     </p:spTree>
     <p:extLst>
       <p:ext uri="{BB962C8B-B14F-4D97-AF65-F5344CB8AC3E}">
@@ -10720,10 +10784,177 @@
       </p:grpSpPr>
       <p:sp>
         <p:nvSpPr>
+          <p:cNvPr id="5" name="Title 4">
+            <a:extLst>
+              <a:ext uri="{FF2B5EF4-FFF2-40B4-BE49-F238E27FC236}">
+                <a16:creationId xmlns:a16="http://schemas.microsoft.com/office/drawing/2014/main" id="{E49036B4-6AAD-45A2-AD40-60F69C4CFBCD}"/>
+              </a:ext>
+            </a:extLst>
+          </p:cNvPr>
+          <p:cNvSpPr>
+            <a:spLocks noGrp="1"/>
+          </p:cNvSpPr>
+          <p:nvPr>
+            <p:ph type="title"/>
+          </p:nvPr>
+        </p:nvSpPr>
+        <p:spPr/>
+        <p:txBody>
+          <a:bodyPr>
+            <a:normAutofit fontScale="90000"/>
+          </a:bodyPr>
+          <a:lstStyle/>
+          <a:p>
+            <a:r>
+              <a:rPr lang="en-US" b="1" i="0" dirty="0">
+                <a:solidFill>
+                  <a:srgbClr val="333333"/>
+                </a:solidFill>
+                <a:effectLst/>
+                <a:latin typeface="Georgia" panose="02040502050405020303" pitchFamily="18" charset="0"/>
+              </a:rPr>
+              <a:t> Smart Home System Based on Wi-fi and Internet</a:t>
+            </a:r>
+            <a:br>
+              <a:rPr lang="en-US" b="1" i="0" dirty="0">
+                <a:solidFill>
+                  <a:srgbClr val="333333"/>
+                </a:solidFill>
+                <a:effectLst/>
+                <a:latin typeface="Georgia" panose="02040502050405020303" pitchFamily="18" charset="0"/>
+              </a:rPr>
+            </a:br>
+            <a:endParaRPr lang="en-DE" dirty="0"/>
+          </a:p>
+        </p:txBody>
+      </p:sp>
+      <p:pic>
+        <p:nvPicPr>
+          <p:cNvPr id="1026" name="Picture 2" descr="Fig. 5. - Block diagram of Internet and Wi-fi based smart home system.">
+            <a:extLst>
+              <a:ext uri="{FF2B5EF4-FFF2-40B4-BE49-F238E27FC236}">
+                <a16:creationId xmlns:a16="http://schemas.microsoft.com/office/drawing/2014/main" id="{717C40FB-8D06-40C1-8B47-8ECB4FB846F8}"/>
+              </a:ext>
+            </a:extLst>
+          </p:cNvPr>
+          <p:cNvPicPr>
+            <a:picLocks noGrp="1" noChangeAspect="1" noChangeArrowheads="1"/>
+          </p:cNvPicPr>
+          <p:nvPr>
+            <p:ph idx="4294967295"/>
+          </p:nvPr>
+        </p:nvPicPr>
+        <p:blipFill>
+          <a:blip r:embed="rId2">
+            <a:extLst>
+              <a:ext uri="{28A0092B-C50C-407E-A947-70E740481C1C}">
+                <a14:useLocalDpi xmlns:a14="http://schemas.microsoft.com/office/drawing/2010/main" val="0"/>
+              </a:ext>
+            </a:extLst>
+          </a:blip>
+          <a:srcRect/>
+          <a:stretch>
+            <a:fillRect/>
+          </a:stretch>
+        </p:blipFill>
+        <p:spPr bwMode="auto">
+          <a:xfrm>
+            <a:off x="3004051" y="1584586"/>
+            <a:ext cx="5806823" cy="3896803"/>
+          </a:xfrm>
+          <a:prstGeom prst="rect">
+            <a:avLst/>
+          </a:prstGeom>
+          <a:noFill/>
+          <a:extLst>
+            <a:ext uri="{909E8E84-426E-40DD-AFC4-6F175D3DCCD1}">
+              <a14:hiddenFill xmlns:a14="http://schemas.microsoft.com/office/drawing/2010/main">
+                <a:solidFill>
+                  <a:srgbClr val="FFFFFF"/>
+                </a:solidFill>
+              </a14:hiddenFill>
+            </a:ext>
+          </a:extLst>
+        </p:spPr>
+      </p:pic>
+      <p:sp>
+        <p:nvSpPr>
+          <p:cNvPr id="6" name="TextBox 5">
+            <a:extLst>
+              <a:ext uri="{FF2B5EF4-FFF2-40B4-BE49-F238E27FC236}">
+                <a16:creationId xmlns:a16="http://schemas.microsoft.com/office/drawing/2014/main" id="{4A99CA7C-BE4A-49BE-9C91-DCAD5546C356}"/>
+              </a:ext>
+            </a:extLst>
+          </p:cNvPr>
+          <p:cNvSpPr txBox="1"/>
+          <p:nvPr/>
+        </p:nvSpPr>
+        <p:spPr>
+          <a:xfrm>
+            <a:off x="3192588" y="5642394"/>
+            <a:ext cx="6094378" cy="646331"/>
+          </a:xfrm>
+          <a:prstGeom prst="rect">
+            <a:avLst/>
+          </a:prstGeom>
+          <a:noFill/>
+        </p:spPr>
+        <p:txBody>
+          <a:bodyPr wrap="square">
+            <a:spAutoFit/>
+          </a:bodyPr>
+          <a:lstStyle/>
+          <a:p>
+            <a:r>
+              <a:rPr lang="en-US" b="0" i="0" dirty="0">
+                <a:solidFill>
+                  <a:srgbClr val="666666"/>
+                </a:solidFill>
+                <a:effectLst/>
+                <a:latin typeface="Verdana" panose="020B0604030504040204" pitchFamily="34" charset="0"/>
+              </a:rPr>
+              <a:t>Block diagram of Internet and Wi-fi based smart home system.[4]</a:t>
+            </a:r>
+            <a:endParaRPr lang="en-DE" dirty="0"/>
+          </a:p>
+        </p:txBody>
+      </p:sp>
+    </p:spTree>
+    <p:extLst>
+      <p:ext uri="{BB962C8B-B14F-4D97-AF65-F5344CB8AC3E}">
+        <p14:creationId xmlns:p14="http://schemas.microsoft.com/office/powerpoint/2010/main" val="456038927"/>
+      </p:ext>
+    </p:extLst>
+  </p:cSld>
+  <p:clrMapOvr>
+    <a:masterClrMapping/>
+  </p:clrMapOvr>
+</p:sld>
+</file>
+
+<file path=ppt/slides/slide16.xml><?xml version="1.0" encoding="utf-8"?>
+<p:sld xmlns:a="http://schemas.openxmlformats.org/drawingml/2006/main" xmlns:r="http://schemas.openxmlformats.org/officeDocument/2006/relationships" xmlns:p="http://schemas.openxmlformats.org/presentationml/2006/main">
+  <p:cSld>
+    <p:spTree>
+      <p:nvGrpSpPr>
+        <p:cNvPr id="1" name=""/>
+        <p:cNvGrpSpPr/>
+        <p:nvPr/>
+      </p:nvGrpSpPr>
+      <p:grpSpPr>
+        <a:xfrm>
+          <a:off x="0" y="0"/>
+          <a:ext cx="0" cy="0"/>
+          <a:chOff x="0" y="0"/>
+          <a:chExt cx="0" cy="0"/>
+        </a:xfrm>
+      </p:grpSpPr>
+      <p:sp>
+        <p:nvSpPr>
           <p:cNvPr id="2" name="Title 1">
             <a:extLst>
               <a:ext uri="{FF2B5EF4-FFF2-40B4-BE49-F238E27FC236}">
-                <a16:creationId xmlns:a16="http://schemas.microsoft.com/office/drawing/2014/main" id="{9DDA0337-B6F7-4802-8511-083EA482885A}"/>
+                <a16:creationId xmlns:a16="http://schemas.microsoft.com/office/drawing/2014/main" id="{56FB6D8D-09E2-440C-9691-C70E943CBDA9}"/>
               </a:ext>
             </a:extLst>
           </p:cNvPr>
@@ -10740,12 +10971,10 @@
           <a:lstStyle/>
           <a:p>
             <a:r>
-              <a:rPr lang="en-US">
-                <a:cs typeface="Calibri Light"/>
-              </a:rPr>
-              <a:t>References :</a:t>
-            </a:r>
-            <a:endParaRPr lang="en-US"/>
+              <a:rPr lang="en-US" dirty="0"/>
+              <a:t>Advantages</a:t>
+            </a:r>
+            <a:endParaRPr lang="en-DE" dirty="0"/>
           </a:p>
         </p:txBody>
       </p:sp>
@@ -10754,7 +10983,7 @@
           <p:cNvPr id="3" name="Content Placeholder 2">
             <a:extLst>
               <a:ext uri="{FF2B5EF4-FFF2-40B4-BE49-F238E27FC236}">
-                <a16:creationId xmlns:a16="http://schemas.microsoft.com/office/drawing/2014/main" id="{21F6BFC5-FBAF-4A76-8E61-403D76F9F2A8}"/>
+                <a16:creationId xmlns:a16="http://schemas.microsoft.com/office/drawing/2014/main" id="{9E8B7EA0-E4EB-4016-A4E7-5946766610DB}"/>
               </a:ext>
             </a:extLst>
           </p:cNvPr>
@@ -10767,71 +10996,99 @@
         </p:nvSpPr>
         <p:spPr/>
         <p:txBody>
-          <a:bodyPr vert="horz" lIns="91440" tIns="45720" rIns="91440" bIns="45720" rtlCol="0" anchor="t">
-            <a:normAutofit/>
+          <a:bodyPr>
+            <a:normAutofit fontScale="62500" lnSpcReduction="20000"/>
           </a:bodyPr>
           <a:lstStyle/>
           <a:p>
             <a:r>
-              <a:rPr lang="en-US">
-                <a:ea typeface="+mn-lt"/>
-                <a:cs typeface="+mn-lt"/>
-              </a:rPr>
-              <a:t>Miller, M., 2017. </a:t>
-            </a:r>
-            <a:r>
-              <a:rPr lang="en-US" i="1">
-                <a:ea typeface="+mn-lt"/>
-                <a:cs typeface="+mn-lt"/>
-              </a:rPr>
-              <a:t>My Smart Home For Seniors</a:t>
-            </a:r>
-            <a:r>
-              <a:rPr lang="en-US">
-                <a:ea typeface="+mn-lt"/>
-                <a:cs typeface="+mn-lt"/>
-              </a:rPr>
-              <a:t>. Que</a:t>
-            </a:r>
-            <a:endParaRPr lang="en-US"/>
-          </a:p>
-          <a:p>
-            <a:r>
-              <a:rPr lang="en-US" err="1">
-                <a:ea typeface="+mn-lt"/>
-                <a:cs typeface="+mn-lt"/>
-              </a:rPr>
-              <a:t>Felfernig</a:t>
-            </a:r>
-            <a:r>
-              <a:rPr lang="en-US">
-                <a:ea typeface="+mn-lt"/>
-                <a:cs typeface="+mn-lt"/>
-              </a:rPr>
-              <a:t>, A., Hotz, L., Bagley, C. and Tiihonen, J., 2014. </a:t>
-            </a:r>
-            <a:r>
-              <a:rPr lang="en-US" i="1">
-                <a:ea typeface="+mn-lt"/>
-                <a:cs typeface="+mn-lt"/>
-              </a:rPr>
-              <a:t>Knowledge-Based Configuration</a:t>
-            </a:r>
-            <a:r>
-              <a:rPr lang="en-US">
-                <a:ea typeface="+mn-lt"/>
-                <a:cs typeface="+mn-lt"/>
-              </a:rPr>
-              <a:t>. Morgan Kaufmann.</a:t>
-            </a:r>
-            <a:endParaRPr lang="en-US"/>
+              <a:rPr lang="en-US" dirty="0"/>
+              <a:t>Saving</a:t>
+            </a:r>
+          </a:p>
+          <a:p>
+            <a:pPr marL="0" indent="0">
+              <a:buNone/>
+            </a:pPr>
+            <a:r>
+              <a:rPr lang="en-US" dirty="0"/>
+              <a:t>- The financial saving will get your attention, where the smart home technology can alone save anywhere from 10%-30% money on your energy bills.</a:t>
+            </a:r>
+          </a:p>
+          <a:p>
+            <a:r>
+              <a:rPr lang="en-US" dirty="0"/>
+              <a:t>Safety</a:t>
+            </a:r>
+          </a:p>
+          <a:p>
+            <a:pPr marL="0" indent="0">
+              <a:buNone/>
+            </a:pPr>
+            <a:r>
+              <a:rPr lang="en-US" dirty="0"/>
+              <a:t>- User can install a security system that allows them to monitor any suspicious activities that occur in and around your home.</a:t>
+            </a:r>
+          </a:p>
+          <a:p>
+            <a:r>
+              <a:rPr lang="en-US" dirty="0"/>
+              <a:t>Control</a:t>
+            </a:r>
+          </a:p>
+          <a:p>
+            <a:pPr marL="0" indent="0">
+              <a:buNone/>
+            </a:pPr>
+            <a:r>
+              <a:rPr lang="en-US" dirty="0"/>
+              <a:t>- The control at your fingertips is provided by smart home technology. You can use your mobile apps to control the functionality of your home from anywhere in the world now. </a:t>
+            </a:r>
+          </a:p>
+          <a:p>
+            <a:r>
+              <a:rPr lang="en-US" dirty="0"/>
+              <a:t>Convenience</a:t>
+            </a:r>
+          </a:p>
+          <a:p>
+            <a:pPr marL="0" indent="0">
+              <a:buNone/>
+            </a:pPr>
+            <a:r>
+              <a:rPr lang="en-US" dirty="0"/>
+              <a:t>- It </a:t>
+            </a:r>
+            <a:r>
+              <a:rPr lang="en-US"/>
+              <a:t>allows user </a:t>
+            </a:r>
+            <a:r>
+              <a:rPr lang="en-US" dirty="0"/>
+              <a:t>to use the mobile and tables and you’ll be able to tap into enormous functions and appliances throughout the home.</a:t>
+            </a:r>
+          </a:p>
+          <a:p>
+            <a:r>
+              <a:rPr lang="en-US" dirty="0"/>
+              <a:t>Comfort</a:t>
+            </a:r>
+          </a:p>
+          <a:p>
+            <a:pPr marL="0" indent="0">
+              <a:buNone/>
+            </a:pPr>
+            <a:r>
+              <a:rPr lang="en-US" dirty="0"/>
+              <a:t>- Having smart home technology can just make our lives easy, as it improves the functionality of appliances, thus helping them run better</a:t>
+            </a:r>
           </a:p>
         </p:txBody>
       </p:sp>
     </p:spTree>
     <p:extLst>
       <p:ext uri="{BB962C8B-B14F-4D97-AF65-F5344CB8AC3E}">
-        <p14:creationId xmlns:p14="http://schemas.microsoft.com/office/powerpoint/2010/main" val="960431888"/>
+        <p14:creationId xmlns:p14="http://schemas.microsoft.com/office/powerpoint/2010/main" val="3157970513"/>
       </p:ext>
     </p:extLst>
   </p:cSld>
@@ -10841,7 +11098,7 @@
 </p:sld>
 </file>
 
-<file path=ppt/slides/slide16.xml><?xml version="1.0" encoding="utf-8"?>
+<file path=ppt/slides/slide17.xml><?xml version="1.0" encoding="utf-8"?>
 <p:sld xmlns:a="http://schemas.openxmlformats.org/drawingml/2006/main" xmlns:r="http://schemas.openxmlformats.org/officeDocument/2006/relationships" xmlns:p="http://schemas.openxmlformats.org/presentationml/2006/main">
   <p:cSld>
     <p:spTree>
@@ -10916,7 +11173,7 @@
 </p:sld>
 </file>
 
-<file path=ppt/slides/slide17.xml><?xml version="1.0" encoding="utf-8"?>
+<file path=ppt/slides/slide18.xml><?xml version="1.0" encoding="utf-8"?>
 <p:sld xmlns:a="http://schemas.openxmlformats.org/drawingml/2006/main" xmlns:r="http://schemas.openxmlformats.org/officeDocument/2006/relationships" xmlns:p="http://schemas.openxmlformats.org/presentationml/2006/main">
   <p:cSld>
     <p:spTree>
@@ -10938,7 +11195,7 @@
           <p:cNvPr id="2" name="Title 1">
             <a:extLst>
               <a:ext uri="{FF2B5EF4-FFF2-40B4-BE49-F238E27FC236}">
-                <a16:creationId xmlns:a16="http://schemas.microsoft.com/office/drawing/2014/main" id="{56FB6D8D-09E2-440C-9691-C70E943CBDA9}"/>
+                <a16:creationId xmlns:a16="http://schemas.microsoft.com/office/drawing/2014/main" id="{9DDA0337-B6F7-4802-8511-083EA482885A}"/>
               </a:ext>
             </a:extLst>
           </p:cNvPr>
@@ -10955,10 +11212,12 @@
           <a:lstStyle/>
           <a:p>
             <a:r>
-              <a:rPr lang="en-US" dirty="0"/>
-              <a:t>Advantages</a:t>
-            </a:r>
-            <a:endParaRPr lang="en-DE" dirty="0"/>
+              <a:rPr lang="en-US">
+                <a:cs typeface="Calibri Light"/>
+              </a:rPr>
+              <a:t>References :</a:t>
+            </a:r>
+            <a:endParaRPr lang="en-US"/>
           </a:p>
         </p:txBody>
       </p:sp>
@@ -10967,7 +11226,7 @@
           <p:cNvPr id="3" name="Content Placeholder 2">
             <a:extLst>
               <a:ext uri="{FF2B5EF4-FFF2-40B4-BE49-F238E27FC236}">
-                <a16:creationId xmlns:a16="http://schemas.microsoft.com/office/drawing/2014/main" id="{9E8B7EA0-E4EB-4016-A4E7-5946766610DB}"/>
+                <a16:creationId xmlns:a16="http://schemas.microsoft.com/office/drawing/2014/main" id="{21F6BFC5-FBAF-4A76-8E61-403D76F9F2A8}"/>
               </a:ext>
             </a:extLst>
           </p:cNvPr>
@@ -10980,99 +11239,186 @@
         </p:nvSpPr>
         <p:spPr/>
         <p:txBody>
-          <a:bodyPr>
-            <a:normAutofit fontScale="62500" lnSpcReduction="20000"/>
+          <a:bodyPr vert="horz" lIns="91440" tIns="45720" rIns="91440" bIns="45720" rtlCol="0" anchor="t">
+            <a:normAutofit lnSpcReduction="10000"/>
           </a:bodyPr>
           <a:lstStyle/>
           <a:p>
             <a:r>
-              <a:rPr lang="en-US" dirty="0"/>
-              <a:t>Saving</a:t>
-            </a:r>
-          </a:p>
-          <a:p>
-            <a:pPr marL="0" indent="0">
-              <a:buNone/>
-            </a:pPr>
-            <a:r>
-              <a:rPr lang="en-US" dirty="0"/>
-              <a:t>- The financial saving will get your attention, where the smart home technology can alone save anywhere from 10%-30% money on your energy bills.</a:t>
-            </a:r>
-          </a:p>
-          <a:p>
-            <a:r>
-              <a:rPr lang="en-US" dirty="0"/>
-              <a:t>Safety</a:t>
-            </a:r>
-          </a:p>
-          <a:p>
-            <a:pPr marL="0" indent="0">
-              <a:buNone/>
-            </a:pPr>
-            <a:r>
-              <a:rPr lang="en-US" dirty="0"/>
-              <a:t>- User can install a security system that allows them to monitor any suspicious activities that occur in and around your home.</a:t>
-            </a:r>
-          </a:p>
-          <a:p>
-            <a:r>
-              <a:rPr lang="en-US" dirty="0"/>
-              <a:t>Control</a:t>
-            </a:r>
-          </a:p>
-          <a:p>
-            <a:pPr marL="0" indent="0">
-              <a:buNone/>
-            </a:pPr>
-            <a:r>
-              <a:rPr lang="en-US" dirty="0"/>
-              <a:t>- The control at your fingertips is provided by smart home technology. You can use your mobile apps to control the functionality of your home from anywhere in the world now. </a:t>
-            </a:r>
-          </a:p>
-          <a:p>
-            <a:r>
-              <a:rPr lang="en-US" dirty="0"/>
-              <a:t>Convenience</a:t>
-            </a:r>
-          </a:p>
-          <a:p>
-            <a:pPr marL="0" indent="0">
-              <a:buNone/>
-            </a:pPr>
-            <a:r>
-              <a:rPr lang="en-US" dirty="0"/>
-              <a:t>- It </a:t>
-            </a:r>
-            <a:r>
-              <a:rPr lang="en-US"/>
-              <a:t>allows user </a:t>
-            </a:r>
-            <a:r>
-              <a:rPr lang="en-US" dirty="0"/>
-              <a:t>to use the mobile and tables and you’ll be able to tap into enormous functions and appliances throughout the home.</a:t>
-            </a:r>
-          </a:p>
-          <a:p>
-            <a:r>
-              <a:rPr lang="en-US" dirty="0"/>
-              <a:t>Comfort</a:t>
-            </a:r>
-          </a:p>
-          <a:p>
-            <a:pPr marL="0" indent="0">
-              <a:buNone/>
-            </a:pPr>
-            <a:r>
-              <a:rPr lang="en-US" dirty="0"/>
-              <a:t>- Having smart home technology can just make our lives easy, as it improves the functionality of appliances, thus helping them run better</a:t>
-            </a:r>
+              <a:rPr lang="en-US" b="0" i="0" dirty="0">
+                <a:solidFill>
+                  <a:srgbClr val="000000"/>
+                </a:solidFill>
+                <a:effectLst/>
+                <a:latin typeface="Open Sans"/>
+              </a:rPr>
+              <a:t>[1]Chen, J., 2020. </a:t>
+            </a:r>
+            <a:r>
+              <a:rPr lang="en-US" b="0" i="1" dirty="0">
+                <a:solidFill>
+                  <a:srgbClr val="000000"/>
+                </a:solidFill>
+                <a:effectLst/>
+                <a:latin typeface="Open Sans"/>
+              </a:rPr>
+              <a:t>Smart Home</a:t>
+            </a:r>
+            <a:r>
+              <a:rPr lang="en-US" b="0" i="0" dirty="0">
+                <a:solidFill>
+                  <a:srgbClr val="000000"/>
+                </a:solidFill>
+                <a:effectLst/>
+                <a:latin typeface="Open Sans"/>
+              </a:rPr>
+              <a:t>. [online] Investopedia. Available at: &lt;https://www.investopedia.com/terms/s/smart-home.asp&gt; [Accessed 22 November 2020].</a:t>
+            </a:r>
+            <a:endParaRPr lang="en-US" dirty="0">
+              <a:ea typeface="+mn-lt"/>
+              <a:cs typeface="+mn-lt"/>
+            </a:endParaRPr>
+          </a:p>
+          <a:p>
+            <a:r>
+              <a:rPr lang="en-US" dirty="0">
+                <a:ea typeface="+mn-lt"/>
+                <a:cs typeface="+mn-lt"/>
+              </a:rPr>
+              <a:t>Miller, M., 2017. </a:t>
+            </a:r>
+            <a:r>
+              <a:rPr lang="en-US" i="1" dirty="0">
+                <a:ea typeface="+mn-lt"/>
+                <a:cs typeface="+mn-lt"/>
+              </a:rPr>
+              <a:t>My Smart Home For Seniors</a:t>
+            </a:r>
+            <a:r>
+              <a:rPr lang="en-US" dirty="0">
+                <a:ea typeface="+mn-lt"/>
+                <a:cs typeface="+mn-lt"/>
+              </a:rPr>
+              <a:t>. Que</a:t>
+            </a:r>
+            <a:endParaRPr lang="en-US" dirty="0"/>
+          </a:p>
+          <a:p>
+            <a:r>
+              <a:rPr lang="en-US" dirty="0" err="1">
+                <a:ea typeface="+mn-lt"/>
+                <a:cs typeface="+mn-lt"/>
+              </a:rPr>
+              <a:t>Felfernig</a:t>
+            </a:r>
+            <a:r>
+              <a:rPr lang="en-US" dirty="0">
+                <a:ea typeface="+mn-lt"/>
+                <a:cs typeface="+mn-lt"/>
+              </a:rPr>
+              <a:t>, A., </a:t>
+            </a:r>
+            <a:r>
+              <a:rPr lang="en-US" dirty="0" err="1">
+                <a:ea typeface="+mn-lt"/>
+                <a:cs typeface="+mn-lt"/>
+              </a:rPr>
+              <a:t>Hotz</a:t>
+            </a:r>
+            <a:r>
+              <a:rPr lang="en-US" dirty="0">
+                <a:ea typeface="+mn-lt"/>
+                <a:cs typeface="+mn-lt"/>
+              </a:rPr>
+              <a:t>, L., Bagley, C. and </a:t>
+            </a:r>
+            <a:r>
+              <a:rPr lang="en-US" dirty="0" err="1">
+                <a:ea typeface="+mn-lt"/>
+                <a:cs typeface="+mn-lt"/>
+              </a:rPr>
+              <a:t>Tiihonen</a:t>
+            </a:r>
+            <a:r>
+              <a:rPr lang="en-US" dirty="0">
+                <a:ea typeface="+mn-lt"/>
+                <a:cs typeface="+mn-lt"/>
+              </a:rPr>
+              <a:t>, J., 2014. </a:t>
+            </a:r>
+            <a:r>
+              <a:rPr lang="en-US" i="1" dirty="0">
+                <a:ea typeface="+mn-lt"/>
+                <a:cs typeface="+mn-lt"/>
+              </a:rPr>
+              <a:t>Knowledge-Based Configuration</a:t>
+            </a:r>
+            <a:r>
+              <a:rPr lang="en-US" dirty="0">
+                <a:ea typeface="+mn-lt"/>
+                <a:cs typeface="+mn-lt"/>
+              </a:rPr>
+              <a:t>. Morgan Kaufmann.</a:t>
+            </a:r>
+          </a:p>
+          <a:p>
+            <a:r>
+              <a:rPr lang="en-US" dirty="0">
+                <a:ea typeface="+mn-lt"/>
+                <a:cs typeface="+mn-lt"/>
+              </a:rPr>
+              <a:t>[4] M. Hasan, P. Biswas, M. T. I. </a:t>
+            </a:r>
+            <a:r>
+              <a:rPr lang="en-US" dirty="0" err="1">
+                <a:ea typeface="+mn-lt"/>
+                <a:cs typeface="+mn-lt"/>
+              </a:rPr>
+              <a:t>Bilash</a:t>
+            </a:r>
+            <a:r>
+              <a:rPr lang="en-US" dirty="0">
+                <a:ea typeface="+mn-lt"/>
+                <a:cs typeface="+mn-lt"/>
+              </a:rPr>
+              <a:t> and M. A. Z. </a:t>
+            </a:r>
+            <a:r>
+              <a:rPr lang="en-US" dirty="0" err="1">
+                <a:ea typeface="+mn-lt"/>
+                <a:cs typeface="+mn-lt"/>
+              </a:rPr>
+              <a:t>Dipto</a:t>
+            </a:r>
+            <a:r>
+              <a:rPr lang="en-US" dirty="0">
+                <a:ea typeface="+mn-lt"/>
+                <a:cs typeface="+mn-lt"/>
+              </a:rPr>
+              <a:t>, "Smart Home Systems: Overview and Comparative Analysis," 2018 Fourth International Conference on Research in Computational Intelligence and Communication Networks (ICRCICN), Kolkata, India, 2018, pp. 264-268, </a:t>
+            </a:r>
+            <a:r>
+              <a:rPr lang="en-US" dirty="0" err="1">
+                <a:ea typeface="+mn-lt"/>
+                <a:cs typeface="+mn-lt"/>
+              </a:rPr>
+              <a:t>doi</a:t>
+            </a:r>
+            <a:r>
+              <a:rPr lang="en-US" dirty="0">
+                <a:ea typeface="+mn-lt"/>
+                <a:cs typeface="+mn-lt"/>
+              </a:rPr>
+              <a:t>: 10.1109/ICRCICN.2018.8718722.</a:t>
+            </a:r>
+            <a:endParaRPr lang="en-US" dirty="0"/>
           </a:p>
         </p:txBody>
       </p:sp>
     </p:spTree>
     <p:extLst>
       <p:ext uri="{BB962C8B-B14F-4D97-AF65-F5344CB8AC3E}">
-        <p14:creationId xmlns:p14="http://schemas.microsoft.com/office/powerpoint/2010/main" val="3157970513"/>
+        <p14:creationId xmlns:p14="http://schemas.microsoft.com/office/powerpoint/2010/main" val="960431888"/>
       </p:ext>
     </p:extLst>
   </p:cSld>
@@ -11173,20 +11519,34 @@
           </a:bodyPr>
           <a:lstStyle/>
           <a:p>
-            <a:endParaRPr lang="en-GB" sz="2200">
+            <a:endParaRPr lang="en-GB" sz="2200" dirty="0">
               <a:ea typeface="+mn-lt"/>
               <a:cs typeface="+mn-lt"/>
             </a:endParaRPr>
           </a:p>
           <a:p>
             <a:r>
-              <a:rPr lang="en-GB" sz="2200">
+              <a:rPr lang="en-GB" sz="2200" dirty="0">
                 <a:ea typeface="+mn-lt"/>
                 <a:cs typeface="+mn-lt"/>
               </a:rPr>
-              <a:t>Smart home refers to a convenient home setup where appliances and devices can be automatically controlled remotely from anywhere with an internet connection using a mobile or other networked device. Devices in a smart home are interconnected through the internet, allowing the user to control functions such as security access to the home, temperature, lighting, and a home theater remotely.</a:t>
-            </a:r>
-            <a:endParaRPr lang="en-GB" sz="2200">
+              <a:t>Smart home refers to a convenient home setup where appliances and devices can be automatically controlled remotely from anywhere with an internet connection using a mobile or other networked device. Devices in a smart home are interconnected through the internet, allowing the user to control functions such as security access to the home, temperature, lighting, and a home </a:t>
+            </a:r>
+            <a:r>
+              <a:rPr lang="en-GB" sz="2200" dirty="0" err="1">
+                <a:ea typeface="+mn-lt"/>
+                <a:cs typeface="+mn-lt"/>
+              </a:rPr>
+              <a:t>theater</a:t>
+            </a:r>
+            <a:r>
+              <a:rPr lang="en-GB" sz="2200" dirty="0">
+                <a:ea typeface="+mn-lt"/>
+                <a:cs typeface="+mn-lt"/>
+              </a:rPr>
+              <a:t> remotely[1].</a:t>
+            </a:r>
+            <a:endParaRPr lang="en-GB" sz="2200" dirty="0">
               <a:cs typeface="Calibri"/>
             </a:endParaRPr>
           </a:p>
@@ -11698,35 +12058,38 @@
           </a:bodyPr>
           <a:lstStyle/>
           <a:p>
-            <a:r>
-              <a:rPr lang="en-US">
+            <a:pPr marL="0" indent="0">
+              <a:buNone/>
+            </a:pPr>
+            <a:r>
+              <a:rPr lang="en-US" dirty="0">
                 <a:cs typeface="Calibri"/>
               </a:rPr>
               <a:t>Domain of building automation system is more complex </a:t>
             </a:r>
             <a:br>
-              <a:rPr lang="en-US">
+              <a:rPr lang="en-US" dirty="0">
                 <a:cs typeface="Calibri"/>
               </a:rPr>
             </a:br>
             <a:r>
-              <a:rPr lang="en-US">
+              <a:rPr lang="en-US" dirty="0">
                 <a:cs typeface="Calibri"/>
               </a:rPr>
               <a:t>and depending on type of buildings.</a:t>
             </a:r>
             <a:br>
-              <a:rPr lang="en-US">
+              <a:rPr lang="en-US" dirty="0">
                 <a:cs typeface="Calibri"/>
               </a:rPr>
             </a:br>
             <a:br>
-              <a:rPr lang="en-US">
+              <a:rPr lang="en-US" dirty="0">
                 <a:cs typeface="Calibri"/>
               </a:rPr>
             </a:br>
             <a:r>
-              <a:rPr lang="en-US">
+              <a:rPr lang="en-US" dirty="0">
                 <a:cs typeface="Calibri"/>
               </a:rPr>
               <a:t>Different systems can be applied on different buildings :</a:t>
@@ -11734,7 +12097,7 @@
           </a:p>
           <a:p>
             <a:r>
-              <a:rPr lang="en-US">
+              <a:rPr lang="en-US" dirty="0">
                 <a:cs typeface="Calibri"/>
               </a:rPr>
               <a:t>Lighting system</a:t>
@@ -11742,7 +12105,7 @@
           </a:p>
           <a:p>
             <a:r>
-              <a:rPr lang="en-US">
+              <a:rPr lang="en-US" dirty="0">
                 <a:cs typeface="Calibri"/>
               </a:rPr>
               <a:t>Solar Radiation Protection System</a:t>
@@ -11750,7 +12113,7 @@
           </a:p>
           <a:p>
             <a:r>
-              <a:rPr lang="en-US">
+              <a:rPr lang="en-US" dirty="0">
                 <a:cs typeface="Calibri"/>
               </a:rPr>
               <a:t>Sun blinds</a:t>
@@ -11758,7 +12121,7 @@
           </a:p>
           <a:p>
             <a:r>
-              <a:rPr lang="en-US">
+              <a:rPr lang="en-US" dirty="0">
                 <a:cs typeface="Calibri"/>
               </a:rPr>
               <a:t>Air-conditioning system</a:t>
@@ -11766,7 +12129,7 @@
           </a:p>
           <a:p>
             <a:r>
-              <a:rPr lang="en-US">
+              <a:rPr lang="en-US" dirty="0">
                 <a:cs typeface="Calibri"/>
               </a:rPr>
               <a:t>Heating System</a:t>
@@ -11774,7 +12137,7 @@
           </a:p>
           <a:p>
             <a:r>
-              <a:rPr lang="en-US">
+              <a:rPr lang="en-US" dirty="0">
                 <a:cs typeface="Calibri"/>
               </a:rPr>
               <a:t>Sanitary facilities</a:t>
@@ -11782,7 +12145,7 @@
           </a:p>
           <a:p>
             <a:r>
-              <a:rPr lang="en-US">
+              <a:rPr lang="en-US" dirty="0">
                 <a:cs typeface="Calibri"/>
               </a:rPr>
               <a:t>Lift facilities</a:t>
@@ -11790,7 +12153,7 @@
           </a:p>
           <a:p>
             <a:r>
-              <a:rPr lang="en-US">
+              <a:rPr lang="en-US" dirty="0">
                 <a:cs typeface="Calibri"/>
               </a:rPr>
               <a:t>Telecommunication system</a:t>
@@ -11798,7 +12161,7 @@
           </a:p>
           <a:p>
             <a:r>
-              <a:rPr lang="en-US">
+              <a:rPr lang="en-US" dirty="0">
                 <a:cs typeface="Calibri"/>
               </a:rPr>
               <a:t>Safety system</a:t>
@@ -13484,6 +13847,21 @@
 </file>
 
 <file path=customXml/item1.xml><?xml version="1.0" encoding="utf-8"?>
+<p:properties xmlns:p="http://schemas.microsoft.com/office/2006/metadata/properties" xmlns:xsi="http://www.w3.org/2001/XMLSchema-instance" xmlns:pc="http://schemas.microsoft.com/office/infopath/2007/PartnerControls">
+  <documentManagement/>
+</p:properties>
+</file>
+
+<file path=customXml/item2.xml><?xml version="1.0" encoding="utf-8"?>
+<?mso-contentType ?>
+<FormTemplates xmlns="http://schemas.microsoft.com/sharepoint/v3/contenttype/forms">
+  <Display>DocumentLibraryForm</Display>
+  <Edit>DocumentLibraryForm</Edit>
+  <New>DocumentLibraryForm</New>
+</FormTemplates>
+</file>
+
+<file path=customXml/item3.xml><?xml version="1.0" encoding="utf-8"?>
 <ct:contentTypeSchema xmlns:ct="http://schemas.microsoft.com/office/2006/metadata/contentType" xmlns:ma="http://schemas.microsoft.com/office/2006/metadata/properties/metaAttributes" ct:_="" ma:_="" ma:contentTypeName="Document" ma:contentTypeID="0x010100D973745A54E1F940816A7DA2A8D1DDBD" ma:contentTypeVersion="2" ma:contentTypeDescription="Create a new document." ma:contentTypeScope="" ma:versionID="84b7a6704b22df89a7c9e55e2653863b">
   <xsd:schema xmlns:xsd="http://www.w3.org/2001/XMLSchema" xmlns:xs="http://www.w3.org/2001/XMLSchema" xmlns:p="http://schemas.microsoft.com/office/2006/metadata/properties" xmlns:ns2="e0689a4a-487c-484b-bb27-80183cfbfa40" targetNamespace="http://schemas.microsoft.com/office/2006/metadata/properties" ma:root="true" ma:fieldsID="31532077622de2acde8666fafb6fa5ef" ns2:_="">
     <xsd:import namespace="e0689a4a-487c-484b-bb27-80183cfbfa40"/>
@@ -13615,22 +13993,24 @@
 </ct:contentTypeSchema>
 </file>
 
-<file path=customXml/item2.xml><?xml version="1.0" encoding="utf-8"?>
-<?mso-contentType ?>
-<FormTemplates xmlns="http://schemas.microsoft.com/sharepoint/v3/contenttype/forms">
-  <Display>DocumentLibraryForm</Display>
-  <Edit>DocumentLibraryForm</Edit>
-  <New>DocumentLibraryForm</New>
-</FormTemplates>
+<file path=customXml/itemProps1.xml><?xml version="1.0" encoding="utf-8"?>
+<ds:datastoreItem xmlns:ds="http://schemas.openxmlformats.org/officeDocument/2006/customXml" ds:itemID="{13726219-3614-45BE-8F92-AD9277358475}">
+  <ds:schemaRefs>
+    <ds:schemaRef ds:uri="http://schemas.microsoft.com/office/2006/metadata/properties"/>
+    <ds:schemaRef ds:uri="http://schemas.microsoft.com/office/infopath/2007/PartnerControls"/>
+  </ds:schemaRefs>
+</ds:datastoreItem>
 </file>
 
-<file path=customXml/item3.xml><?xml version="1.0" encoding="utf-8"?>
-<p:properties xmlns:p="http://schemas.microsoft.com/office/2006/metadata/properties" xmlns:xsi="http://www.w3.org/2001/XMLSchema-instance" xmlns:pc="http://schemas.microsoft.com/office/infopath/2007/PartnerControls">
-  <documentManagement/>
-</p:properties>
+<file path=customXml/itemProps2.xml><?xml version="1.0" encoding="utf-8"?>
+<ds:datastoreItem xmlns:ds="http://schemas.openxmlformats.org/officeDocument/2006/customXml" ds:itemID="{2EDD09B3-23C0-4941-9430-47739D6329F7}">
+  <ds:schemaRefs>
+    <ds:schemaRef ds:uri="http://schemas.microsoft.com/sharepoint/v3/contenttype/forms"/>
+  </ds:schemaRefs>
+</ds:datastoreItem>
 </file>
 
-<file path=customXml/itemProps1.xml><?xml version="1.0" encoding="utf-8"?>
+<file path=customXml/itemProps3.xml><?xml version="1.0" encoding="utf-8"?>
 <ds:datastoreItem xmlns:ds="http://schemas.openxmlformats.org/officeDocument/2006/customXml" ds:itemID="{85E8A985-78FD-4040-8584-DCD1A78232D6}">
   <ds:schemaRefs>
     <ds:schemaRef ds:uri="e0689a4a-487c-484b-bb27-80183cfbfa40"/>
@@ -13646,21 +14026,4 @@
     <ds:schemaRef ds:uri="http://www.w3.org/2001/XMLSchema"/>
   </ds:schemaRefs>
 </ds:datastoreItem>
-</file>
-
-<file path=customXml/itemProps2.xml><?xml version="1.0" encoding="utf-8"?>
-<ds:datastoreItem xmlns:ds="http://schemas.openxmlformats.org/officeDocument/2006/customXml" ds:itemID="{2EDD09B3-23C0-4941-9430-47739D6329F7}">
-  <ds:schemaRefs>
-    <ds:schemaRef ds:uri="http://schemas.microsoft.com/sharepoint/v3/contenttype/forms"/>
-  </ds:schemaRefs>
-</ds:datastoreItem>
-</file>
-
-<file path=customXml/itemProps3.xml><?xml version="1.0" encoding="utf-8"?>
-<ds:datastoreItem xmlns:ds="http://schemas.openxmlformats.org/officeDocument/2006/customXml" ds:itemID="{13726219-3614-45BE-8F92-AD9277358475}">
-  <ds:schemaRefs>
-    <ds:schemaRef ds:uri="http://schemas.microsoft.com/office/2006/metadata/properties"/>
-    <ds:schemaRef ds:uri="http://schemas.microsoft.com/office/infopath/2007/PartnerControls"/>
-  </ds:schemaRefs>
-</ds:datastoreItem>
 </file>
--- a/Smart Home TeamNoobcoder.pptx
+++ b/Smart Home TeamNoobcoder.pptx
@@ -22,6 +22,7 @@
     <p:sldId id="267" r:id="rId19"/>
     <p:sldId id="272" r:id="rId20"/>
     <p:sldId id="273" r:id="rId21"/>
+    <p:sldId id="274" r:id="rId22"/>
   </p:sldIdLst>
   <p:sldSz cx="12192000" cy="6858000"/>
   <p:notesSz cx="6858000" cy="9144000"/>
@@ -4908,7 +4909,7 @@
           <a:p>
             <a:fld id="{846CE7D5-CF57-46EF-B807-FDD0502418D4}" type="datetimeFigureOut">
               <a:rPr lang="en-US" smtClean="0"/>
-              <a:t>11/21/2020</a:t>
+              <a:t>11/22/2020</a:t>
             </a:fld>
             <a:endParaRPr lang="en-US"/>
           </a:p>
@@ -4950,7 +4951,7 @@
           <a:p>
             <a:fld id="{330EA680-D336-4FF7-8B7A-9848BB0A1C32}" type="slidenum">
               <a:rPr lang="en-US" smtClean="0"/>
-              <a:t>‹#›</a:t>
+              <a:t>‹Nr.›</a:t>
             </a:fld>
             <a:endParaRPr lang="en-US"/>
           </a:p>
@@ -5076,7 +5077,7 @@
           <a:p>
             <a:fld id="{846CE7D5-CF57-46EF-B807-FDD0502418D4}" type="datetimeFigureOut">
               <a:rPr lang="en-US" smtClean="0"/>
-              <a:t>11/21/2020</a:t>
+              <a:t>11/22/2020</a:t>
             </a:fld>
             <a:endParaRPr lang="en-US"/>
           </a:p>
@@ -5118,7 +5119,7 @@
           <a:p>
             <a:fld id="{330EA680-D336-4FF7-8B7A-9848BB0A1C32}" type="slidenum">
               <a:rPr lang="en-US" smtClean="0"/>
-              <a:t>‹#›</a:t>
+              <a:t>‹Nr.›</a:t>
             </a:fld>
             <a:endParaRPr lang="en-US"/>
           </a:p>
@@ -5254,7 +5255,7 @@
           <a:p>
             <a:fld id="{846CE7D5-CF57-46EF-B807-FDD0502418D4}" type="datetimeFigureOut">
               <a:rPr lang="en-US" smtClean="0"/>
-              <a:t>11/21/2020</a:t>
+              <a:t>11/22/2020</a:t>
             </a:fld>
             <a:endParaRPr lang="en-US"/>
           </a:p>
@@ -5296,7 +5297,7 @@
           <a:p>
             <a:fld id="{330EA680-D336-4FF7-8B7A-9848BB0A1C32}" type="slidenum">
               <a:rPr lang="en-US" smtClean="0"/>
-              <a:t>‹#›</a:t>
+              <a:t>‹Nr.›</a:t>
             </a:fld>
             <a:endParaRPr lang="en-US"/>
           </a:p>
@@ -5422,7 +5423,7 @@
           <a:p>
             <a:fld id="{846CE7D5-CF57-46EF-B807-FDD0502418D4}" type="datetimeFigureOut">
               <a:rPr lang="en-US" smtClean="0"/>
-              <a:t>11/21/2020</a:t>
+              <a:t>11/22/2020</a:t>
             </a:fld>
             <a:endParaRPr lang="en-US"/>
           </a:p>
@@ -5464,7 +5465,7 @@
           <a:p>
             <a:fld id="{330EA680-D336-4FF7-8B7A-9848BB0A1C32}" type="slidenum">
               <a:rPr lang="en-US" smtClean="0"/>
-              <a:t>‹#›</a:t>
+              <a:t>‹Nr.›</a:t>
             </a:fld>
             <a:endParaRPr lang="en-US"/>
           </a:p>
@@ -5667,7 +5668,7 @@
           <a:p>
             <a:fld id="{846CE7D5-CF57-46EF-B807-FDD0502418D4}" type="datetimeFigureOut">
               <a:rPr lang="en-US" smtClean="0"/>
-              <a:t>11/21/2020</a:t>
+              <a:t>11/22/2020</a:t>
             </a:fld>
             <a:endParaRPr lang="en-US"/>
           </a:p>
@@ -5709,7 +5710,7 @@
           <a:p>
             <a:fld id="{330EA680-D336-4FF7-8B7A-9848BB0A1C32}" type="slidenum">
               <a:rPr lang="en-US" smtClean="0"/>
-              <a:t>‹#›</a:t>
+              <a:t>‹Nr.›</a:t>
             </a:fld>
             <a:endParaRPr lang="en-US"/>
           </a:p>
@@ -5896,7 +5897,7 @@
           <a:p>
             <a:fld id="{846CE7D5-CF57-46EF-B807-FDD0502418D4}" type="datetimeFigureOut">
               <a:rPr lang="en-US" smtClean="0"/>
-              <a:t>11/21/2020</a:t>
+              <a:t>11/22/2020</a:t>
             </a:fld>
             <a:endParaRPr lang="en-US"/>
           </a:p>
@@ -5938,7 +5939,7 @@
           <a:p>
             <a:fld id="{330EA680-D336-4FF7-8B7A-9848BB0A1C32}" type="slidenum">
               <a:rPr lang="en-US" smtClean="0"/>
-              <a:t>‹#›</a:t>
+              <a:t>‹Nr.›</a:t>
             </a:fld>
             <a:endParaRPr lang="en-US"/>
           </a:p>
@@ -6260,7 +6261,7 @@
           <a:p>
             <a:fld id="{846CE7D5-CF57-46EF-B807-FDD0502418D4}" type="datetimeFigureOut">
               <a:rPr lang="en-US" smtClean="0"/>
-              <a:t>11/21/2020</a:t>
+              <a:t>11/22/2020</a:t>
             </a:fld>
             <a:endParaRPr lang="en-US"/>
           </a:p>
@@ -6302,7 +6303,7 @@
           <a:p>
             <a:fld id="{330EA680-D336-4FF7-8B7A-9848BB0A1C32}" type="slidenum">
               <a:rPr lang="en-US" smtClean="0"/>
-              <a:t>‹#›</a:t>
+              <a:t>‹Nr.›</a:t>
             </a:fld>
             <a:endParaRPr lang="en-US"/>
           </a:p>
@@ -6377,7 +6378,7 @@
           <a:p>
             <a:fld id="{846CE7D5-CF57-46EF-B807-FDD0502418D4}" type="datetimeFigureOut">
               <a:rPr lang="en-US" smtClean="0"/>
-              <a:t>11/21/2020</a:t>
+              <a:t>11/22/2020</a:t>
             </a:fld>
             <a:endParaRPr lang="en-US"/>
           </a:p>
@@ -6419,7 +6420,7 @@
           <a:p>
             <a:fld id="{330EA680-D336-4FF7-8B7A-9848BB0A1C32}" type="slidenum">
               <a:rPr lang="en-US" smtClean="0"/>
-              <a:t>‹#›</a:t>
+              <a:t>‹Nr.›</a:t>
             </a:fld>
             <a:endParaRPr lang="en-US"/>
           </a:p>
@@ -6472,7 +6473,7 @@
           <a:p>
             <a:fld id="{846CE7D5-CF57-46EF-B807-FDD0502418D4}" type="datetimeFigureOut">
               <a:rPr lang="en-US" smtClean="0"/>
-              <a:t>11/21/2020</a:t>
+              <a:t>11/22/2020</a:t>
             </a:fld>
             <a:endParaRPr lang="en-US"/>
           </a:p>
@@ -6514,7 +6515,7 @@
           <a:p>
             <a:fld id="{330EA680-D336-4FF7-8B7A-9848BB0A1C32}" type="slidenum">
               <a:rPr lang="en-US" smtClean="0"/>
-              <a:t>‹#›</a:t>
+              <a:t>‹Nr.›</a:t>
             </a:fld>
             <a:endParaRPr lang="en-US"/>
           </a:p>
@@ -6747,7 +6748,7 @@
           <a:p>
             <a:fld id="{846CE7D5-CF57-46EF-B807-FDD0502418D4}" type="datetimeFigureOut">
               <a:rPr lang="en-US" smtClean="0"/>
-              <a:t>11/21/2020</a:t>
+              <a:t>11/22/2020</a:t>
             </a:fld>
             <a:endParaRPr lang="en-US"/>
           </a:p>
@@ -6789,7 +6790,7 @@
           <a:p>
             <a:fld id="{330EA680-D336-4FF7-8B7A-9848BB0A1C32}" type="slidenum">
               <a:rPr lang="en-US" smtClean="0"/>
-              <a:t>‹#›</a:t>
+              <a:t>‹Nr.›</a:t>
             </a:fld>
             <a:endParaRPr lang="en-US"/>
           </a:p>
@@ -7002,7 +7003,7 @@
           <a:p>
             <a:fld id="{846CE7D5-CF57-46EF-B807-FDD0502418D4}" type="datetimeFigureOut">
               <a:rPr lang="en-US" smtClean="0"/>
-              <a:t>11/21/2020</a:t>
+              <a:t>11/22/2020</a:t>
             </a:fld>
             <a:endParaRPr lang="en-US"/>
           </a:p>
@@ -7044,7 +7045,7 @@
           <a:p>
             <a:fld id="{330EA680-D336-4FF7-8B7A-9848BB0A1C32}" type="slidenum">
               <a:rPr lang="en-US" smtClean="0"/>
-              <a:t>‹#›</a:t>
+              <a:t>‹Nr.›</a:t>
             </a:fld>
             <a:endParaRPr lang="en-US"/>
           </a:p>
@@ -7213,7 +7214,7 @@
           <a:p>
             <a:fld id="{846CE7D5-CF57-46EF-B807-FDD0502418D4}" type="datetimeFigureOut">
               <a:rPr lang="en-US" smtClean="0"/>
-              <a:t>11/21/2020</a:t>
+              <a:t>11/22/2020</a:t>
             </a:fld>
             <a:endParaRPr lang="en-US"/>
           </a:p>
@@ -7291,7 +7292,7 @@
           <a:p>
             <a:fld id="{330EA680-D336-4FF7-8B7A-9848BB0A1C32}" type="slidenum">
               <a:rPr lang="en-US" smtClean="0"/>
-              <a:t>‹#›</a:t>
+              <a:t>‹Nr.›</a:t>
             </a:fld>
             <a:endParaRPr lang="en-US"/>
           </a:p>
@@ -11082,6 +11083,305 @@
 </p:sld>
 </file>
 
+<file path=ppt/slides/slide18.xml><?xml version="1.0" encoding="utf-8"?>
+<p:sld xmlns:a="http://schemas.openxmlformats.org/drawingml/2006/main" xmlns:r="http://schemas.openxmlformats.org/officeDocument/2006/relationships" xmlns:p="http://schemas.openxmlformats.org/presentationml/2006/main">
+  <p:cSld>
+    <p:spTree>
+      <p:nvGrpSpPr>
+        <p:cNvPr id="1" name=""/>
+        <p:cNvGrpSpPr/>
+        <p:nvPr/>
+      </p:nvGrpSpPr>
+      <p:grpSpPr>
+        <a:xfrm>
+          <a:off x="0" y="0"/>
+          <a:ext cx="0" cy="0"/>
+          <a:chOff x="0" y="0"/>
+          <a:chExt cx="0" cy="0"/>
+        </a:xfrm>
+      </p:grpSpPr>
+      <p:sp>
+        <p:nvSpPr>
+          <p:cNvPr id="2" name="Titel 1">
+            <a:extLst>
+              <a:ext uri="{FF2B5EF4-FFF2-40B4-BE49-F238E27FC236}">
+                <a16:creationId xmlns:a16="http://schemas.microsoft.com/office/drawing/2014/main" id="{42653046-1B6F-479B-8018-19F4827721D9}"/>
+              </a:ext>
+            </a:extLst>
+          </p:cNvPr>
+          <p:cNvSpPr>
+            <a:spLocks noGrp="1"/>
+          </p:cNvSpPr>
+          <p:nvPr>
+            <p:ph type="title"/>
+          </p:nvPr>
+        </p:nvSpPr>
+        <p:spPr/>
+        <p:txBody>
+          <a:bodyPr/>
+          <a:lstStyle/>
+          <a:p>
+            <a:r>
+              <a:rPr lang="de-DE" dirty="0">
+                <a:ln w="0"/>
+                <a:solidFill>
+                  <a:schemeClr val="accent1"/>
+                </a:solidFill>
+                <a:effectLst>
+                  <a:outerShdw blurRad="38100" dist="25400" dir="5400000" algn="ctr" rotWithShape="0">
+                    <a:srgbClr val="6E747A">
+                      <a:alpha val="43000"/>
+                    </a:srgbClr>
+                  </a:outerShdw>
+                </a:effectLst>
+              </a:rPr>
+              <a:t>			     </a:t>
+            </a:r>
+            <a:r>
+              <a:rPr lang="de-DE" dirty="0" err="1">
+                <a:ln w="0"/>
+                <a:solidFill>
+                  <a:schemeClr val="accent1"/>
+                </a:solidFill>
+                <a:effectLst>
+                  <a:outerShdw blurRad="38100" dist="25400" dir="5400000" algn="ctr" rotWithShape="0">
+                    <a:srgbClr val="6E747A">
+                      <a:alpha val="43000"/>
+                    </a:srgbClr>
+                  </a:outerShdw>
+                </a:effectLst>
+              </a:rPr>
+              <a:t>Disadvantages</a:t>
+            </a:r>
+            <a:endParaRPr lang="de-DE" dirty="0"/>
+          </a:p>
+        </p:txBody>
+      </p:sp>
+      <p:sp>
+        <p:nvSpPr>
+          <p:cNvPr id="3" name="Inhaltsplatzhalter 2">
+            <a:extLst>
+              <a:ext uri="{FF2B5EF4-FFF2-40B4-BE49-F238E27FC236}">
+                <a16:creationId xmlns:a16="http://schemas.microsoft.com/office/drawing/2014/main" id="{4D8FC9B7-7928-4AE5-A766-6AB441B65555}"/>
+              </a:ext>
+            </a:extLst>
+          </p:cNvPr>
+          <p:cNvSpPr>
+            <a:spLocks noGrp="1"/>
+          </p:cNvSpPr>
+          <p:nvPr>
+            <p:ph idx="1"/>
+          </p:nvPr>
+        </p:nvSpPr>
+        <p:spPr/>
+        <p:txBody>
+          <a:bodyPr>
+            <a:normAutofit lnSpcReduction="10000"/>
+          </a:bodyPr>
+          <a:lstStyle/>
+          <a:p>
+            <a:r>
+              <a:rPr lang="de-DE" dirty="0"/>
+              <a:t>Higher </a:t>
+            </a:r>
+            <a:r>
+              <a:rPr lang="de-DE" dirty="0" err="1"/>
+              <a:t>installation</a:t>
+            </a:r>
+            <a:r>
+              <a:rPr lang="de-DE" dirty="0"/>
+              <a:t> and </a:t>
+            </a:r>
+            <a:r>
+              <a:rPr lang="de-DE" dirty="0" err="1"/>
+              <a:t>operating</a:t>
+            </a:r>
+            <a:r>
+              <a:rPr lang="de-DE" dirty="0"/>
+              <a:t> </a:t>
+            </a:r>
+            <a:r>
+              <a:rPr lang="de-DE" dirty="0" err="1"/>
+              <a:t>cost</a:t>
+            </a:r>
+            <a:r>
+              <a:rPr lang="de-DE" dirty="0"/>
+              <a:t>.</a:t>
+            </a:r>
+          </a:p>
+          <a:p>
+            <a:pPr marL="0" indent="0">
+              <a:buNone/>
+            </a:pPr>
+            <a:endParaRPr lang="de-DE" dirty="0"/>
+          </a:p>
+          <a:p>
+            <a:r>
+              <a:rPr lang="de-DE" dirty="0"/>
+              <a:t>The </a:t>
+            </a:r>
+            <a:r>
+              <a:rPr lang="de-DE" dirty="0" err="1"/>
+              <a:t>system</a:t>
+            </a:r>
+            <a:r>
+              <a:rPr lang="de-DE" dirty="0"/>
+              <a:t> </a:t>
+            </a:r>
+            <a:r>
+              <a:rPr lang="de-DE" dirty="0" err="1"/>
+              <a:t>is</a:t>
+            </a:r>
+            <a:r>
+              <a:rPr lang="de-DE" dirty="0"/>
+              <a:t> not </a:t>
+            </a:r>
+            <a:r>
+              <a:rPr lang="de-DE" dirty="0" err="1"/>
+              <a:t>quite</a:t>
+            </a:r>
+            <a:r>
+              <a:rPr lang="de-DE" dirty="0"/>
+              <a:t> user-</a:t>
+            </a:r>
+            <a:r>
+              <a:rPr lang="de-DE" dirty="0" err="1"/>
+              <a:t>friendly</a:t>
+            </a:r>
+            <a:r>
+              <a:rPr lang="de-DE" dirty="0"/>
+              <a:t> and reliable.</a:t>
+            </a:r>
+          </a:p>
+          <a:p>
+            <a:pPr marL="0" indent="0">
+              <a:buNone/>
+            </a:pPr>
+            <a:endParaRPr lang="de-DE" dirty="0"/>
+          </a:p>
+          <a:p>
+            <a:r>
+              <a:rPr lang="de-DE" dirty="0"/>
+              <a:t>Low </a:t>
+            </a:r>
+            <a:r>
+              <a:rPr lang="de-DE" dirty="0" err="1"/>
+              <a:t>voice</a:t>
+            </a:r>
+            <a:r>
+              <a:rPr lang="de-DE" dirty="0"/>
+              <a:t> </a:t>
+            </a:r>
+            <a:r>
+              <a:rPr lang="de-DE" dirty="0" err="1"/>
+              <a:t>accuracy</a:t>
+            </a:r>
+            <a:r>
+              <a:rPr lang="de-DE" dirty="0"/>
+              <a:t> </a:t>
+            </a:r>
+            <a:r>
+              <a:rPr lang="de-DE" dirty="0" err="1"/>
+              <a:t>level</a:t>
+            </a:r>
+            <a:endParaRPr lang="de-DE" dirty="0"/>
+          </a:p>
+          <a:p>
+            <a:pPr marL="0" indent="0">
+              <a:buNone/>
+            </a:pPr>
+            <a:endParaRPr lang="de-DE" dirty="0"/>
+          </a:p>
+          <a:p>
+            <a:r>
+              <a:rPr lang="de-DE" dirty="0" err="1"/>
+              <a:t>It</a:t>
+            </a:r>
+            <a:r>
+              <a:rPr lang="de-DE" dirty="0"/>
+              <a:t> </a:t>
+            </a:r>
+            <a:r>
+              <a:rPr lang="de-DE" dirty="0" err="1"/>
+              <a:t>can</a:t>
+            </a:r>
+            <a:r>
+              <a:rPr lang="de-DE" dirty="0"/>
+              <a:t> </a:t>
+            </a:r>
+            <a:r>
+              <a:rPr lang="de-DE" dirty="0" err="1"/>
+              <a:t>be</a:t>
+            </a:r>
+            <a:r>
+              <a:rPr lang="de-DE" dirty="0"/>
+              <a:t> vulnerable </a:t>
+            </a:r>
+            <a:r>
+              <a:rPr lang="de-DE" dirty="0" err="1"/>
+              <a:t>to</a:t>
+            </a:r>
+            <a:r>
+              <a:rPr lang="de-DE" dirty="0"/>
+              <a:t> </a:t>
+            </a:r>
+            <a:r>
+              <a:rPr lang="de-DE" dirty="0" err="1"/>
+              <a:t>hacker</a:t>
+            </a:r>
+            <a:r>
+              <a:rPr lang="de-DE" dirty="0"/>
+              <a:t> </a:t>
+            </a:r>
+            <a:r>
+              <a:rPr lang="de-DE" dirty="0" err="1"/>
+              <a:t>attacks</a:t>
+            </a:r>
+            <a:endParaRPr lang="de-DE" dirty="0"/>
+          </a:p>
+          <a:p>
+            <a:endParaRPr lang="de-DE" dirty="0"/>
+          </a:p>
+          <a:p>
+            <a:r>
+              <a:rPr lang="de-DE" dirty="0"/>
+              <a:t>Technology </a:t>
+            </a:r>
+            <a:r>
+              <a:rPr lang="de-DE" dirty="0" err="1"/>
+              <a:t>is</a:t>
+            </a:r>
+            <a:r>
+              <a:rPr lang="de-DE" dirty="0"/>
+              <a:t> not fully </a:t>
+            </a:r>
+            <a:r>
+              <a:rPr lang="de-DE" dirty="0" err="1"/>
+              <a:t>developed</a:t>
+            </a:r>
+            <a:r>
+              <a:rPr lang="de-DE" dirty="0"/>
+              <a:t>.</a:t>
+            </a:r>
+          </a:p>
+          <a:p>
+            <a:endParaRPr lang="de-DE" dirty="0"/>
+          </a:p>
+        </p:txBody>
+      </p:sp>
+    </p:spTree>
+    <p:extLst>
+      <p:ext uri="{BB962C8B-B14F-4D97-AF65-F5344CB8AC3E}">
+        <p14:creationId xmlns:p14="http://schemas.microsoft.com/office/powerpoint/2010/main" val="2764518659"/>
+      </p:ext>
+    </p:extLst>
+  </p:cSld>
+  <p:clrMapOvr>
+    <a:masterClrMapping/>
+  </p:clrMapOvr>
+</p:sld>
+</file>
+
 <file path=ppt/slides/slide2.xml><?xml version="1.0" encoding="utf-8"?>
 <p:sld xmlns:a="http://schemas.openxmlformats.org/drawingml/2006/main" xmlns:r="http://schemas.openxmlformats.org/officeDocument/2006/relationships" xmlns:p="http://schemas.openxmlformats.org/presentationml/2006/main">
   <p:cSld>
@@ -13484,6 +13784,15 @@
 </file>
 
 <file path=customXml/item1.xml><?xml version="1.0" encoding="utf-8"?>
+<?mso-contentType ?>
+<FormTemplates xmlns="http://schemas.microsoft.com/sharepoint/v3/contenttype/forms">
+  <Display>DocumentLibraryForm</Display>
+  <Edit>DocumentLibraryForm</Edit>
+  <New>DocumentLibraryForm</New>
+</FormTemplates>
+</file>
+
+<file path=customXml/item2.xml><?xml version="1.0" encoding="utf-8"?>
 <ct:contentTypeSchema xmlns:ct="http://schemas.microsoft.com/office/2006/metadata/contentType" xmlns:ma="http://schemas.microsoft.com/office/2006/metadata/properties/metaAttributes" ct:_="" ma:_="" ma:contentTypeName="Document" ma:contentTypeID="0x010100D973745A54E1F940816A7DA2A8D1DDBD" ma:contentTypeVersion="2" ma:contentTypeDescription="Create a new document." ma:contentTypeScope="" ma:versionID="84b7a6704b22df89a7c9e55e2653863b">
   <xsd:schema xmlns:xsd="http://www.w3.org/2001/XMLSchema" xmlns:xs="http://www.w3.org/2001/XMLSchema" xmlns:p="http://schemas.microsoft.com/office/2006/metadata/properties" xmlns:ns2="e0689a4a-487c-484b-bb27-80183cfbfa40" targetNamespace="http://schemas.microsoft.com/office/2006/metadata/properties" ma:root="true" ma:fieldsID="31532077622de2acde8666fafb6fa5ef" ns2:_="">
     <xsd:import namespace="e0689a4a-487c-484b-bb27-80183cfbfa40"/>
@@ -13615,15 +13924,6 @@
 </ct:contentTypeSchema>
 </file>
 
-<file path=customXml/item2.xml><?xml version="1.0" encoding="utf-8"?>
-<?mso-contentType ?>
-<FormTemplates xmlns="http://schemas.microsoft.com/sharepoint/v3/contenttype/forms">
-  <Display>DocumentLibraryForm</Display>
-  <Edit>DocumentLibraryForm</Edit>
-  <New>DocumentLibraryForm</New>
-</FormTemplates>
-</file>
-
 <file path=customXml/item3.xml><?xml version="1.0" encoding="utf-8"?>
 <p:properties xmlns:p="http://schemas.microsoft.com/office/2006/metadata/properties" xmlns:xsi="http://www.w3.org/2001/XMLSchema-instance" xmlns:pc="http://schemas.microsoft.com/office/infopath/2007/PartnerControls">
   <documentManagement/>
@@ -13631,6 +13931,14 @@
 </file>
 
 <file path=customXml/itemProps1.xml><?xml version="1.0" encoding="utf-8"?>
+<ds:datastoreItem xmlns:ds="http://schemas.openxmlformats.org/officeDocument/2006/customXml" ds:itemID="{2EDD09B3-23C0-4941-9430-47739D6329F7}">
+  <ds:schemaRefs>
+    <ds:schemaRef ds:uri="http://schemas.microsoft.com/sharepoint/v3/contenttype/forms"/>
+  </ds:schemaRefs>
+</ds:datastoreItem>
+</file>
+
+<file path=customXml/itemProps2.xml><?xml version="1.0" encoding="utf-8"?>
 <ds:datastoreItem xmlns:ds="http://schemas.openxmlformats.org/officeDocument/2006/customXml" ds:itemID="{85E8A985-78FD-4040-8584-DCD1A78232D6}">
   <ds:schemaRefs>
     <ds:schemaRef ds:uri="e0689a4a-487c-484b-bb27-80183cfbfa40"/>
@@ -13648,14 +13956,6 @@
 </ds:datastoreItem>
 </file>
 
-<file path=customXml/itemProps2.xml><?xml version="1.0" encoding="utf-8"?>
-<ds:datastoreItem xmlns:ds="http://schemas.openxmlformats.org/officeDocument/2006/customXml" ds:itemID="{2EDD09B3-23C0-4941-9430-47739D6329F7}">
-  <ds:schemaRefs>
-    <ds:schemaRef ds:uri="http://schemas.microsoft.com/sharepoint/v3/contenttype/forms"/>
-  </ds:schemaRefs>
-</ds:datastoreItem>
-</file>
-
 <file path=customXml/itemProps3.xml><?xml version="1.0" encoding="utf-8"?>
 <ds:datastoreItem xmlns:ds="http://schemas.openxmlformats.org/officeDocument/2006/customXml" ds:itemID="{13726219-3614-45BE-8F92-AD9277358475}">
   <ds:schemaRefs>

--- a/Smart Home TeamNoobcoder.pptx
+++ b/Smart Home TeamNoobcoder.pptx
@@ -11057,15 +11057,7 @@
             </a:pPr>
             <a:r>
               <a:rPr lang="en-US" dirty="0"/>
-              <a:t>- It </a:t>
-            </a:r>
-            <a:r>
-              <a:rPr lang="en-US"/>
-              <a:t>allows user </a:t>
-            </a:r>
-            <a:r>
-              <a:rPr lang="en-US" dirty="0"/>
-              <a:t>to use the mobile and tables and you’ll be able to tap into enormous functions and appliances throughout the home.</a:t>
+              <a:t>- It allows user to use the mobile and tables and you’ll be able to tap into enormous functions and appliances throughout the home.</a:t>
             </a:r>
           </a:p>
           <a:p>
@@ -11285,7 +11277,7 @@
                 <a:ea typeface="+mn-lt"/>
                 <a:cs typeface="+mn-lt"/>
               </a:rPr>
-              <a:t>Miller, M., 2017. </a:t>
+              <a:t>[2]Miller, M., 2017. </a:t>
             </a:r>
             <a:r>
               <a:rPr lang="en-US" i="1" dirty="0">
@@ -11304,6 +11296,13 @@
             <a:endParaRPr lang="en-US" dirty="0"/>
           </a:p>
           <a:p>
+            <a:r>
+              <a:rPr lang="en-US" dirty="0">
+                <a:ea typeface="+mn-lt"/>
+                <a:cs typeface="+mn-lt"/>
+              </a:rPr>
+              <a:t>[3]</a:t>
+            </a:r>
             <a:r>
               <a:rPr lang="en-US" dirty="0" err="1">
                 <a:ea typeface="+mn-lt"/>
@@ -12221,13 +12220,13 @@
           <a:lstStyle/>
           <a:p>
             <a:r>
-              <a:rPr lang="en-US">
+              <a:rPr lang="en-US" dirty="0">
                 <a:ea typeface="+mj-lt"/>
                 <a:cs typeface="+mj-lt"/>
               </a:rPr>
               <a:t>2. Technologies Used In Connected Home </a:t>
             </a:r>
-            <a:endParaRPr lang="en-US"/>
+            <a:endParaRPr lang="en-US" dirty="0"/>
           </a:p>
         </p:txBody>
       </p:sp>
@@ -13847,21 +13846,6 @@
 </file>
 
 <file path=customXml/item1.xml><?xml version="1.0" encoding="utf-8"?>
-<p:properties xmlns:p="http://schemas.microsoft.com/office/2006/metadata/properties" xmlns:xsi="http://www.w3.org/2001/XMLSchema-instance" xmlns:pc="http://schemas.microsoft.com/office/infopath/2007/PartnerControls">
-  <documentManagement/>
-</p:properties>
-</file>
-
-<file path=customXml/item2.xml><?xml version="1.0" encoding="utf-8"?>
-<?mso-contentType ?>
-<FormTemplates xmlns="http://schemas.microsoft.com/sharepoint/v3/contenttype/forms">
-  <Display>DocumentLibraryForm</Display>
-  <Edit>DocumentLibraryForm</Edit>
-  <New>DocumentLibraryForm</New>
-</FormTemplates>
-</file>
-
-<file path=customXml/item3.xml><?xml version="1.0" encoding="utf-8"?>
 <ct:contentTypeSchema xmlns:ct="http://schemas.microsoft.com/office/2006/metadata/contentType" xmlns:ma="http://schemas.microsoft.com/office/2006/metadata/properties/metaAttributes" ct:_="" ma:_="" ma:contentTypeName="Document" ma:contentTypeID="0x010100D973745A54E1F940816A7DA2A8D1DDBD" ma:contentTypeVersion="2" ma:contentTypeDescription="Create a new document." ma:contentTypeScope="" ma:versionID="84b7a6704b22df89a7c9e55e2653863b">
   <xsd:schema xmlns:xsd="http://www.w3.org/2001/XMLSchema" xmlns:xs="http://www.w3.org/2001/XMLSchema" xmlns:p="http://schemas.microsoft.com/office/2006/metadata/properties" xmlns:ns2="e0689a4a-487c-484b-bb27-80183cfbfa40" targetNamespace="http://schemas.microsoft.com/office/2006/metadata/properties" ma:root="true" ma:fieldsID="31532077622de2acde8666fafb6fa5ef" ns2:_="">
     <xsd:import namespace="e0689a4a-487c-484b-bb27-80183cfbfa40"/>
@@ -13993,24 +13977,22 @@
 </ct:contentTypeSchema>
 </file>
 
-<file path=customXml/itemProps1.xml><?xml version="1.0" encoding="utf-8"?>
-<ds:datastoreItem xmlns:ds="http://schemas.openxmlformats.org/officeDocument/2006/customXml" ds:itemID="{13726219-3614-45BE-8F92-AD9277358475}">
-  <ds:schemaRefs>
-    <ds:schemaRef ds:uri="http://schemas.microsoft.com/office/2006/metadata/properties"/>
-    <ds:schemaRef ds:uri="http://schemas.microsoft.com/office/infopath/2007/PartnerControls"/>
-  </ds:schemaRefs>
-</ds:datastoreItem>
+<file path=customXml/item2.xml><?xml version="1.0" encoding="utf-8"?>
+<?mso-contentType ?>
+<FormTemplates xmlns="http://schemas.microsoft.com/sharepoint/v3/contenttype/forms">
+  <Display>DocumentLibraryForm</Display>
+  <Edit>DocumentLibraryForm</Edit>
+  <New>DocumentLibraryForm</New>
+</FormTemplates>
 </file>
 
-<file path=customXml/itemProps2.xml><?xml version="1.0" encoding="utf-8"?>
-<ds:datastoreItem xmlns:ds="http://schemas.openxmlformats.org/officeDocument/2006/customXml" ds:itemID="{2EDD09B3-23C0-4941-9430-47739D6329F7}">
-  <ds:schemaRefs>
-    <ds:schemaRef ds:uri="http://schemas.microsoft.com/sharepoint/v3/contenttype/forms"/>
-  </ds:schemaRefs>
-</ds:datastoreItem>
+<file path=customXml/item3.xml><?xml version="1.0" encoding="utf-8"?>
+<p:properties xmlns:p="http://schemas.microsoft.com/office/2006/metadata/properties" xmlns:xsi="http://www.w3.org/2001/XMLSchema-instance" xmlns:pc="http://schemas.microsoft.com/office/infopath/2007/PartnerControls">
+  <documentManagement/>
+</p:properties>
 </file>
 
-<file path=customXml/itemProps3.xml><?xml version="1.0" encoding="utf-8"?>
+<file path=customXml/itemProps1.xml><?xml version="1.0" encoding="utf-8"?>
 <ds:datastoreItem xmlns:ds="http://schemas.openxmlformats.org/officeDocument/2006/customXml" ds:itemID="{85E8A985-78FD-4040-8584-DCD1A78232D6}">
   <ds:schemaRefs>
     <ds:schemaRef ds:uri="e0689a4a-487c-484b-bb27-80183cfbfa40"/>
@@ -14026,4 +14008,21 @@
     <ds:schemaRef ds:uri="http://www.w3.org/2001/XMLSchema"/>
   </ds:schemaRefs>
 </ds:datastoreItem>
+</file>
+
+<file path=customXml/itemProps2.xml><?xml version="1.0" encoding="utf-8"?>
+<ds:datastoreItem xmlns:ds="http://schemas.openxmlformats.org/officeDocument/2006/customXml" ds:itemID="{2EDD09B3-23C0-4941-9430-47739D6329F7}">
+  <ds:schemaRefs>
+    <ds:schemaRef ds:uri="http://schemas.microsoft.com/sharepoint/v3/contenttype/forms"/>
+  </ds:schemaRefs>
+</ds:datastoreItem>
+</file>
+
+<file path=customXml/itemProps3.xml><?xml version="1.0" encoding="utf-8"?>
+<ds:datastoreItem xmlns:ds="http://schemas.openxmlformats.org/officeDocument/2006/customXml" ds:itemID="{13726219-3614-45BE-8F92-AD9277358475}">
+  <ds:schemaRefs>
+    <ds:schemaRef ds:uri="http://schemas.microsoft.com/office/2006/metadata/properties"/>
+    <ds:schemaRef ds:uri="http://schemas.microsoft.com/office/infopath/2007/PartnerControls"/>
+  </ds:schemaRefs>
+</ds:datastoreItem>
 </file>